--- a/UM_DataManagementClass/Lessons/08/08_FirstMeeting.pptx
+++ b/UM_DataManagementClass/Lessons/08/08_FirstMeeting.pptx
@@ -5,11 +5,13 @@
     <p:sldMasterId id="2147483756" r:id="rId1"/>
   </p:sldMasterIdLst>
   <p:notesMasterIdLst>
-    <p:notesMasterId r:id="rId4"/>
+    <p:notesMasterId r:id="rId6"/>
   </p:notesMasterIdLst>
   <p:sldIdLst>
     <p:sldId id="256" r:id="rId2"/>
     <p:sldId id="262" r:id="rId3"/>
+    <p:sldId id="263" r:id="rId4"/>
+    <p:sldId id="264" r:id="rId5"/>
   </p:sldIdLst>
   <p:sldSz cx="12192000" cy="6858000"/>
   <p:notesSz cx="7010400" cy="9296400"/>
@@ -110,7 +112,7 @@
   </p:defaultTextStyle>
   <p:extLst>
     <p:ext uri="{EFAFB233-063F-42B5-8137-9DF3F51BA10A}">
-      <p15:sldGuideLst xmlns:p15="http://schemas.microsoft.com/office/powerpoint/2012/main">
+      <p15:sldGuideLst xmlns:p15="http://schemas.microsoft.com/office/powerpoint/2012/main" xmlns="">
         <p15:guide id="1" orient="horz" pos="2160" userDrawn="1">
           <p15:clr>
             <a:srgbClr val="A4A3A4"/>
@@ -210,7 +212,7 @@
             <a:fld id="{0B10C68B-4B56-4C57-A100-1112E8D05063}" type="datetimeFigureOut">
               <a:rPr lang="en-US" smtClean="0"/>
               <a:pPr/>
-              <a:t>2/18/2016</a:t>
+              <a:t>2/21/2016</a:t>
             </a:fld>
             <a:endParaRPr lang="en-US"/>
           </a:p>
@@ -379,7 +381,7 @@
     </p:spTree>
     <p:extLst>
       <p:ext uri="{BB962C8B-B14F-4D97-AF65-F5344CB8AC3E}">
-        <p14:creationId xmlns:p14="http://schemas.microsoft.com/office/powerpoint/2010/main" val="2616926588"/>
+        <p14:creationId xmlns:p14="http://schemas.microsoft.com/office/powerpoint/2010/main" xmlns="" val="2616926588"/>
       </p:ext>
     </p:extLst>
   </p:cSld>
@@ -554,7 +556,7 @@
     </p:spTree>
     <p:extLst>
       <p:ext uri="{BB962C8B-B14F-4D97-AF65-F5344CB8AC3E}">
-        <p14:creationId xmlns:p14="http://schemas.microsoft.com/office/powerpoint/2010/main" val="111020371"/>
+        <p14:creationId xmlns:p14="http://schemas.microsoft.com/office/powerpoint/2010/main" xmlns="" val="111020371"/>
       </p:ext>
     </p:extLst>
   </p:cSld>
@@ -707,7 +709,7 @@
               <a:pPr>
                 <a:defRPr/>
               </a:pPr>
-              <a:t>2/18/2016</a:t>
+              <a:t>2/21/2016</a:t>
             </a:fld>
             <a:endParaRPr lang="en-US">
               <a:solidFill>
@@ -791,7 +793,7 @@
     </p:spTree>
     <p:extLst>
       <p:ext uri="{BB962C8B-B14F-4D97-AF65-F5344CB8AC3E}">
-        <p14:creationId xmlns:p14="http://schemas.microsoft.com/office/powerpoint/2010/main" val="588844449"/>
+        <p14:creationId xmlns:p14="http://schemas.microsoft.com/office/powerpoint/2010/main" xmlns="" val="588844449"/>
       </p:ext>
     </p:extLst>
   </p:cSld>
@@ -922,7 +924,7 @@
               <a:pPr>
                 <a:defRPr/>
               </a:pPr>
-              <a:t>2/18/2016</a:t>
+              <a:t>2/21/2016</a:t>
             </a:fld>
             <a:endParaRPr lang="en-US">
               <a:solidFill>
@@ -1006,7 +1008,7 @@
     </p:spTree>
     <p:extLst>
       <p:ext uri="{BB962C8B-B14F-4D97-AF65-F5344CB8AC3E}">
-        <p14:creationId xmlns:p14="http://schemas.microsoft.com/office/powerpoint/2010/main" val="2374176888"/>
+        <p14:creationId xmlns:p14="http://schemas.microsoft.com/office/powerpoint/2010/main" xmlns="" val="2374176888"/>
       </p:ext>
     </p:extLst>
   </p:cSld>
@@ -1147,7 +1149,7 @@
               <a:pPr>
                 <a:defRPr/>
               </a:pPr>
-              <a:t>2/18/2016</a:t>
+              <a:t>2/21/2016</a:t>
             </a:fld>
             <a:endParaRPr lang="en-US">
               <a:solidFill>
@@ -1231,7 +1233,7 @@
     </p:spTree>
     <p:extLst>
       <p:ext uri="{BB962C8B-B14F-4D97-AF65-F5344CB8AC3E}">
-        <p14:creationId xmlns:p14="http://schemas.microsoft.com/office/powerpoint/2010/main" val="991584953"/>
+        <p14:creationId xmlns:p14="http://schemas.microsoft.com/office/powerpoint/2010/main" xmlns="" val="991584953"/>
       </p:ext>
     </p:extLst>
   </p:cSld>
@@ -1388,7 +1390,7 @@
               <a:pPr>
                 <a:defRPr/>
               </a:pPr>
-              <a:t>2/18/2016</a:t>
+              <a:t>2/21/2016</a:t>
             </a:fld>
             <a:endParaRPr lang="en-US">
               <a:solidFill>
@@ -1472,7 +1474,7 @@
     </p:spTree>
     <p:extLst>
       <p:ext uri="{BB962C8B-B14F-4D97-AF65-F5344CB8AC3E}">
-        <p14:creationId xmlns:p14="http://schemas.microsoft.com/office/powerpoint/2010/main" val="379613614"/>
+        <p14:creationId xmlns:p14="http://schemas.microsoft.com/office/powerpoint/2010/main" xmlns="" val="379613614"/>
       </p:ext>
     </p:extLst>
   </p:cSld>
@@ -1677,7 +1679,7 @@
               <a:pPr>
                 <a:defRPr/>
               </a:pPr>
-              <a:t>2/18/2016</a:t>
+              <a:t>2/21/2016</a:t>
             </a:fld>
             <a:endParaRPr lang="en-US">
               <a:solidFill>
@@ -1761,7 +1763,7 @@
     </p:spTree>
     <p:extLst>
       <p:ext uri="{BB962C8B-B14F-4D97-AF65-F5344CB8AC3E}">
-        <p14:creationId xmlns:p14="http://schemas.microsoft.com/office/powerpoint/2010/main" val="1749530271"/>
+        <p14:creationId xmlns:p14="http://schemas.microsoft.com/office/powerpoint/2010/main" xmlns="" val="1749530271"/>
       </p:ext>
     </p:extLst>
   </p:cSld>
@@ -1998,7 +2000,7 @@
               <a:pPr>
                 <a:defRPr/>
               </a:pPr>
-              <a:t>2/18/2016</a:t>
+              <a:t>2/21/2016</a:t>
             </a:fld>
             <a:endParaRPr lang="en-US">
               <a:solidFill>
@@ -2082,7 +2084,7 @@
     </p:spTree>
     <p:extLst>
       <p:ext uri="{BB962C8B-B14F-4D97-AF65-F5344CB8AC3E}">
-        <p14:creationId xmlns:p14="http://schemas.microsoft.com/office/powerpoint/2010/main" val="4117643888"/>
+        <p14:creationId xmlns:p14="http://schemas.microsoft.com/office/powerpoint/2010/main" xmlns="" val="4117643888"/>
       </p:ext>
     </p:extLst>
   </p:cSld>
@@ -2458,7 +2460,7 @@
               <a:pPr>
                 <a:defRPr/>
               </a:pPr>
-              <a:t>2/18/2016</a:t>
+              <a:t>2/21/2016</a:t>
             </a:fld>
             <a:endParaRPr lang="en-US">
               <a:solidFill>
@@ -2542,7 +2544,7 @@
     </p:spTree>
     <p:extLst>
       <p:ext uri="{BB962C8B-B14F-4D97-AF65-F5344CB8AC3E}">
-        <p14:creationId xmlns:p14="http://schemas.microsoft.com/office/powerpoint/2010/main" val="3305394207"/>
+        <p14:creationId xmlns:p14="http://schemas.microsoft.com/office/powerpoint/2010/main" xmlns="" val="3305394207"/>
       </p:ext>
     </p:extLst>
   </p:cSld>
@@ -2629,7 +2631,7 @@
               <a:pPr>
                 <a:defRPr/>
               </a:pPr>
-              <a:t>2/18/2016</a:t>
+              <a:t>2/21/2016</a:t>
             </a:fld>
             <a:endParaRPr lang="en-US">
               <a:solidFill>
@@ -2713,7 +2715,7 @@
     </p:spTree>
     <p:extLst>
       <p:ext uri="{BB962C8B-B14F-4D97-AF65-F5344CB8AC3E}">
-        <p14:creationId xmlns:p14="http://schemas.microsoft.com/office/powerpoint/2010/main" val="2564282291"/>
+        <p14:creationId xmlns:p14="http://schemas.microsoft.com/office/powerpoint/2010/main" xmlns="" val="2564282291"/>
       </p:ext>
     </p:extLst>
   </p:cSld>
@@ -2769,7 +2771,7 @@
               <a:pPr>
                 <a:defRPr/>
               </a:pPr>
-              <a:t>2/18/2016</a:t>
+              <a:t>2/21/2016</a:t>
             </a:fld>
             <a:endParaRPr lang="en-US">
               <a:solidFill>
@@ -2853,7 +2855,7 @@
     </p:spTree>
     <p:extLst>
       <p:ext uri="{BB962C8B-B14F-4D97-AF65-F5344CB8AC3E}">
-        <p14:creationId xmlns:p14="http://schemas.microsoft.com/office/powerpoint/2010/main" val="2633152322"/>
+        <p14:creationId xmlns:p14="http://schemas.microsoft.com/office/powerpoint/2010/main" xmlns="" val="2633152322"/>
       </p:ext>
     </p:extLst>
   </p:cSld>
@@ -3091,7 +3093,7 @@
               <a:pPr>
                 <a:defRPr/>
               </a:pPr>
-              <a:t>2/18/2016</a:t>
+              <a:t>2/21/2016</a:t>
             </a:fld>
             <a:endParaRPr lang="en-US">
               <a:solidFill>
@@ -3175,7 +3177,7 @@
     </p:spTree>
     <p:extLst>
       <p:ext uri="{BB962C8B-B14F-4D97-AF65-F5344CB8AC3E}">
-        <p14:creationId xmlns:p14="http://schemas.microsoft.com/office/powerpoint/2010/main" val="4283600683"/>
+        <p14:creationId xmlns:p14="http://schemas.microsoft.com/office/powerpoint/2010/main" xmlns="" val="4283600683"/>
       </p:ext>
     </p:extLst>
   </p:cSld>
@@ -3393,7 +3395,7 @@
               <a:pPr>
                 <a:defRPr/>
               </a:pPr>
-              <a:t>2/18/2016</a:t>
+              <a:t>2/21/2016</a:t>
             </a:fld>
             <a:endParaRPr lang="en-US">
               <a:solidFill>
@@ -3477,7 +3479,7 @@
     </p:spTree>
     <p:extLst>
       <p:ext uri="{BB962C8B-B14F-4D97-AF65-F5344CB8AC3E}">
-        <p14:creationId xmlns:p14="http://schemas.microsoft.com/office/powerpoint/2010/main" val="3406240267"/>
+        <p14:creationId xmlns:p14="http://schemas.microsoft.com/office/powerpoint/2010/main" xmlns="" val="3406240267"/>
       </p:ext>
     </p:extLst>
   </p:cSld>
@@ -3651,7 +3653,7 @@
               <a:pPr>
                 <a:defRPr/>
               </a:pPr>
-              <a:t>2/18/2016</a:t>
+              <a:t>2/21/2016</a:t>
             </a:fld>
             <a:endParaRPr lang="en-US">
               <a:solidFill>
@@ -3771,7 +3773,7 @@
     </p:spTree>
     <p:extLst>
       <p:ext uri="{BB962C8B-B14F-4D97-AF65-F5344CB8AC3E}">
-        <p14:creationId xmlns:p14="http://schemas.microsoft.com/office/powerpoint/2010/main" val="1652920772"/>
+        <p14:creationId xmlns:p14="http://schemas.microsoft.com/office/powerpoint/2010/main" xmlns="" val="1652920772"/>
       </p:ext>
     </p:extLst>
   </p:cSld>
@@ -4101,7 +4103,7 @@
           <a:blip r:embed="rId3" cstate="print">
             <a:extLst>
               <a:ext uri="{28A0092B-C50C-407E-A947-70E740481C1C}">
-                <a14:useLocalDpi xmlns:a14="http://schemas.microsoft.com/office/drawing/2010/main" val="0"/>
+                <a14:useLocalDpi xmlns:a14="http://schemas.microsoft.com/office/drawing/2010/main" xmlns="" val="0"/>
               </a:ext>
             </a:extLst>
           </a:blip>
@@ -4264,7 +4266,7 @@
     </p:spTree>
     <p:extLst>
       <p:ext uri="{BB962C8B-B14F-4D97-AF65-F5344CB8AC3E}">
-        <p14:creationId xmlns:p14="http://schemas.microsoft.com/office/powerpoint/2010/main" val="1875680063"/>
+        <p14:creationId xmlns:p14="http://schemas.microsoft.com/office/powerpoint/2010/main" xmlns="" val="1875680063"/>
       </p:ext>
     </p:extLst>
   </p:cSld>
@@ -4362,26 +4364,22 @@
           <a:p>
             <a:r>
               <a:rPr lang="en-US" dirty="0" smtClean="0"/>
-              <a:t>What is a DCP</a:t>
+              <a:t>Describing Data</a:t>
             </a:r>
           </a:p>
           <a:p>
             <a:r>
               <a:rPr lang="en-US" dirty="0" smtClean="0"/>
-              <a:t>The toolkit</a:t>
-            </a:r>
+              <a:t>Parts of the Whole</a:t>
+            </a:r>
+            <a:endParaRPr lang="en-US" dirty="0" smtClean="0"/>
           </a:p>
           <a:p>
             <a:r>
               <a:rPr lang="en-US" dirty="0" smtClean="0"/>
-              <a:t>An example</a:t>
-            </a:r>
-          </a:p>
-          <a:p>
-            <a:r>
-              <a:rPr lang="en-US" dirty="0" smtClean="0"/>
-              <a:t>Discussion</a:t>
-            </a:r>
+              <a:t>A library perspective</a:t>
+            </a:r>
+            <a:endParaRPr lang="en-US" dirty="0" smtClean="0"/>
           </a:p>
           <a:p>
             <a:endParaRPr lang="en-US" dirty="0" smtClean="0"/>
@@ -4391,7 +4389,7 @@
     </p:spTree>
     <p:extLst>
       <p:ext uri="{BB962C8B-B14F-4D97-AF65-F5344CB8AC3E}">
-        <p14:creationId xmlns:p14="http://schemas.microsoft.com/office/powerpoint/2010/main" val="4075626601"/>
+        <p14:creationId xmlns:p14="http://schemas.microsoft.com/office/powerpoint/2010/main" xmlns="" val="4075626601"/>
       </p:ext>
     </p:extLst>
   </p:cSld>
@@ -4405,6 +4403,140 @@
       </p:par>
     </p:tnLst>
   </p:timing>
+</p:sld>
+</file>
+
+<file path=ppt/slides/slide3.xml><?xml version="1.0" encoding="utf-8"?>
+<p:sld xmlns:a="http://schemas.openxmlformats.org/drawingml/2006/main" xmlns:r="http://schemas.openxmlformats.org/officeDocument/2006/relationships" xmlns:p="http://schemas.openxmlformats.org/presentationml/2006/main">
+  <p:cSld>
+    <p:spTree>
+      <p:nvGrpSpPr>
+        <p:cNvPr id="1" name=""/>
+        <p:cNvGrpSpPr/>
+        <p:nvPr/>
+      </p:nvGrpSpPr>
+      <p:grpSpPr>
+        <a:xfrm>
+          <a:off x="0" y="0"/>
+          <a:ext cx="0" cy="0"/>
+          <a:chOff x="0" y="0"/>
+          <a:chExt cx="0" cy="0"/>
+        </a:xfrm>
+      </p:grpSpPr>
+      <p:sp>
+        <p:nvSpPr>
+          <p:cNvPr id="2" name="Title 1"/>
+          <p:cNvSpPr>
+            <a:spLocks noGrp="1"/>
+          </p:cNvSpPr>
+          <p:nvPr>
+            <p:ph type="title"/>
+          </p:nvPr>
+        </p:nvSpPr>
+        <p:spPr/>
+        <p:txBody>
+          <a:bodyPr/>
+          <a:lstStyle/>
+          <a:p>
+            <a:r>
+              <a:rPr lang="en-US" dirty="0" smtClean="0"/>
+              <a:t>A Love Letter to the Future</a:t>
+            </a:r>
+            <a:endParaRPr lang="en-US" dirty="0"/>
+          </a:p>
+        </p:txBody>
+      </p:sp>
+      <p:sp>
+        <p:nvSpPr>
+          <p:cNvPr id="3" name="Content Placeholder 2"/>
+          <p:cNvSpPr>
+            <a:spLocks noGrp="1"/>
+          </p:cNvSpPr>
+          <p:nvPr>
+            <p:ph idx="1"/>
+          </p:nvPr>
+        </p:nvSpPr>
+        <p:spPr/>
+        <p:txBody>
+          <a:bodyPr/>
+          <a:lstStyle/>
+          <a:p>
+            <a:endParaRPr lang="en-US" dirty="0"/>
+          </a:p>
+        </p:txBody>
+      </p:sp>
+    </p:spTree>
+  </p:cSld>
+  <p:clrMapOvr>
+    <a:masterClrMapping/>
+  </p:clrMapOvr>
+</p:sld>
+</file>
+
+<file path=ppt/slides/slide4.xml><?xml version="1.0" encoding="utf-8"?>
+<p:sld xmlns:a="http://schemas.openxmlformats.org/drawingml/2006/main" xmlns:r="http://schemas.openxmlformats.org/officeDocument/2006/relationships" xmlns:p="http://schemas.openxmlformats.org/presentationml/2006/main">
+  <p:cSld>
+    <p:spTree>
+      <p:nvGrpSpPr>
+        <p:cNvPr id="1" name=""/>
+        <p:cNvGrpSpPr/>
+        <p:nvPr/>
+      </p:nvGrpSpPr>
+      <p:grpSpPr>
+        <a:xfrm>
+          <a:off x="0" y="0"/>
+          <a:ext cx="0" cy="0"/>
+          <a:chOff x="0" y="0"/>
+          <a:chExt cx="0" cy="0"/>
+        </a:xfrm>
+      </p:grpSpPr>
+      <p:sp>
+        <p:nvSpPr>
+          <p:cNvPr id="2" name="Title 1"/>
+          <p:cNvSpPr>
+            <a:spLocks noGrp="1"/>
+          </p:cNvSpPr>
+          <p:nvPr>
+            <p:ph type="title"/>
+          </p:nvPr>
+        </p:nvSpPr>
+        <p:spPr/>
+        <p:txBody>
+          <a:bodyPr/>
+          <a:lstStyle/>
+          <a:p>
+            <a:r>
+              <a:rPr lang="en-US" dirty="0" smtClean="0"/>
+              <a:t>Schemas as Walls</a:t>
+            </a:r>
+            <a:endParaRPr lang="en-US" dirty="0"/>
+          </a:p>
+        </p:txBody>
+      </p:sp>
+      <p:sp>
+        <p:nvSpPr>
+          <p:cNvPr id="3" name="Content Placeholder 2"/>
+          <p:cNvSpPr>
+            <a:spLocks noGrp="1"/>
+          </p:cNvSpPr>
+          <p:nvPr>
+            <p:ph idx="1"/>
+          </p:nvPr>
+        </p:nvSpPr>
+        <p:spPr/>
+        <p:txBody>
+          <a:bodyPr/>
+          <a:lstStyle/>
+          <a:p>
+            <a:endParaRPr lang="en-US"/>
+          </a:p>
+        </p:txBody>
+      </p:sp>
+    </p:spTree>
+  </p:cSld>
+  <p:clrMapOvr>
+    <a:masterClrMapping/>
+  </p:clrMapOvr>
 </p:sld>
 </file>
 
@@ -4663,7 +4795,7 @@
   <a:extraClrSchemeLst/>
   <a:extLst>
     <a:ext uri="{05A4C25C-085E-4340-85A3-A5531E510DB2}">
-      <thm15:themeFamily xmlns:thm15="http://schemas.microsoft.com/office/thememl/2012/main" name="Office Theme" id="{62F939B6-93AF-4DB8-9C6B-D6C7DFDC589F}" vid="{4A3C46E8-61CC-4603-A589-7422A47A8E4A}"/>
+      <thm15:themeFamily xmlns:thm15="http://schemas.microsoft.com/office/thememl/2012/main" xmlns="" name="Office Theme" id="{62F939B6-93AF-4DB8-9C6B-D6C7DFDC589F}" vid="{4A3C46E8-61CC-4603-A589-7422A47A8E4A}"/>
     </a:ext>
   </a:extLst>
 </a:theme>
@@ -4924,7 +5056,7 @@
   <a:extraClrSchemeLst/>
   <a:extLst>
     <a:ext uri="{05A4C25C-085E-4340-85A3-A5531E510DB2}">
-      <thm15:themeFamily xmlns:thm15="http://schemas.microsoft.com/office/thememl/2012/main" name="Office Theme" id="{62F939B6-93AF-4DB8-9C6B-D6C7DFDC589F}" vid="{4A3C46E8-61CC-4603-A589-7422A47A8E4A}"/>
+      <thm15:themeFamily xmlns:thm15="http://schemas.microsoft.com/office/thememl/2012/main" xmlns="" name="Office Theme" id="{62F939B6-93AF-4DB8-9C6B-D6C7DFDC589F}" vid="{4A3C46E8-61CC-4603-A589-7422A47A8E4A}"/>
     </a:ext>
   </a:extLst>
 </a:theme>

--- a/UM_DataManagementClass/Lessons/08/08_FirstMeeting.pptx
+++ b/UM_DataManagementClass/Lessons/08/08_FirstMeeting.pptx
@@ -5,13 +5,13 @@
     <p:sldMasterId id="2147483756" r:id="rId1"/>
   </p:sldMasterIdLst>
   <p:notesMasterIdLst>
-    <p:notesMasterId r:id="rId23"/>
+    <p:notesMasterId r:id="rId27"/>
   </p:notesMasterIdLst>
   <p:sldIdLst>
     <p:sldId id="256" r:id="rId2"/>
     <p:sldId id="262" r:id="rId3"/>
-    <p:sldId id="263" r:id="rId4"/>
-    <p:sldId id="264" r:id="rId5"/>
+    <p:sldId id="283" r:id="rId4"/>
+    <p:sldId id="263" r:id="rId5"/>
     <p:sldId id="265" r:id="rId6"/>
     <p:sldId id="266" r:id="rId7"/>
     <p:sldId id="267" r:id="rId8"/>
@@ -20,15 +20,19 @@
     <p:sldId id="270" r:id="rId11"/>
     <p:sldId id="271" r:id="rId12"/>
     <p:sldId id="272" r:id="rId13"/>
-    <p:sldId id="282" r:id="rId14"/>
-    <p:sldId id="273" r:id="rId15"/>
-    <p:sldId id="278" r:id="rId16"/>
-    <p:sldId id="279" r:id="rId17"/>
+    <p:sldId id="278" r:id="rId14"/>
+    <p:sldId id="279" r:id="rId15"/>
+    <p:sldId id="286" r:id="rId16"/>
+    <p:sldId id="284" r:id="rId17"/>
     <p:sldId id="274" r:id="rId18"/>
-    <p:sldId id="276" r:id="rId19"/>
-    <p:sldId id="280" r:id="rId20"/>
-    <p:sldId id="277" r:id="rId21"/>
-    <p:sldId id="281" r:id="rId22"/>
+    <p:sldId id="282" r:id="rId19"/>
+    <p:sldId id="287" r:id="rId20"/>
+    <p:sldId id="285" r:id="rId21"/>
+    <p:sldId id="276" r:id="rId22"/>
+    <p:sldId id="280" r:id="rId23"/>
+    <p:sldId id="264" r:id="rId24"/>
+    <p:sldId id="277" r:id="rId25"/>
+    <p:sldId id="281" r:id="rId26"/>
   </p:sldIdLst>
   <p:sldSz cx="12192000" cy="6858000"/>
   <p:notesSz cx="7010400" cy="9296400"/>
@@ -129,7 +133,7 @@
   </p:defaultTextStyle>
   <p:extLst>
     <p:ext uri="{EFAFB233-063F-42B5-8137-9DF3F51BA10A}">
-      <p15:sldGuideLst xmlns="" xmlns:p15="http://schemas.microsoft.com/office/powerpoint/2012/main">
+      <p15:sldGuideLst xmlns:p15="http://schemas.microsoft.com/office/powerpoint/2012/main" xmlns="">
         <p15:guide id="1" orient="horz" pos="2160" userDrawn="1">
           <p15:clr>
             <a:srgbClr val="A4A3A4"/>
@@ -229,7 +233,7 @@
             <a:fld id="{0B10C68B-4B56-4C57-A100-1112E8D05063}" type="datetimeFigureOut">
               <a:rPr lang="en-US" smtClean="0"/>
               <a:pPr/>
-              <a:t>2/22/2016</a:t>
+              <a:t>2/28/16</a:t>
             </a:fld>
             <a:endParaRPr lang="en-US"/>
           </a:p>
@@ -398,7 +402,7 @@
     </p:spTree>
     <p:extLst>
       <p:ext uri="{BB962C8B-B14F-4D97-AF65-F5344CB8AC3E}">
-        <p14:creationId xmlns="" xmlns:p14="http://schemas.microsoft.com/office/powerpoint/2010/main" val="2616926588"/>
+        <p14:creationId xmlns:p14="http://schemas.microsoft.com/office/powerpoint/2010/main" val="2616926588"/>
       </p:ext>
     </p:extLst>
   </p:cSld>
@@ -573,7 +577,7 @@
     </p:spTree>
     <p:extLst>
       <p:ext uri="{BB962C8B-B14F-4D97-AF65-F5344CB8AC3E}">
-        <p14:creationId xmlns="" xmlns:p14="http://schemas.microsoft.com/office/powerpoint/2010/main" val="111020371"/>
+        <p14:creationId xmlns:p14="http://schemas.microsoft.com/office/powerpoint/2010/main" val="111020371"/>
       </p:ext>
     </p:extLst>
   </p:cSld>
@@ -622,7 +626,7 @@
           </a:ln>
           <a:extLst>
             <a:ext uri="{909E8E84-426E-40dd-AFC4-6F175D3DCCD1}">
-              <a14:hiddenFill xmlns:a14="http://schemas.microsoft.com/office/drawing/2010/main" xmlns="">
+              <a14:hiddenFill xmlns:a14="http://schemas.microsoft.com/office/drawing/2010/main">
                 <a:solidFill>
                   <a:srgbClr val="FFFFFF"/>
                 </a:solidFill>
@@ -645,14 +649,14 @@
           <a:noFill/>
           <a:extLst>
             <a:ext uri="{909E8E84-426E-40dd-AFC4-6F175D3DCCD1}">
-              <a14:hiddenFill xmlns:a14="http://schemas.microsoft.com/office/drawing/2010/main" xmlns="">
+              <a14:hiddenFill xmlns:a14="http://schemas.microsoft.com/office/drawing/2010/main">
                 <a:solidFill>
                   <a:srgbClr val="FFFFFF"/>
                 </a:solidFill>
               </a14:hiddenFill>
             </a:ext>
             <a:ext uri="{91240B29-F687-4f45-9708-019B960494DF}">
-              <a14:hiddenLine xmlns:a14="http://schemas.microsoft.com/office/drawing/2010/main" xmlns="" w="9525">
+              <a14:hiddenLine xmlns:a14="http://schemas.microsoft.com/office/drawing/2010/main" w="9525">
                 <a:solidFill>
                   <a:srgbClr val="000000"/>
                 </a:solidFill>
@@ -671,212 +675,65 @@
           </a:bodyPr>
           <a:lstStyle/>
           <a:p>
-            <a:pPr eaLnBrk="1" hangingPunct="1">
-              <a:defRPr/>
-            </a:pPr>
+            <a:pPr eaLnBrk="1" hangingPunct="1"/>
             <a:r>
               <a:rPr lang="en-US" dirty="0" smtClean="0">
-                <a:latin typeface="Times New Roman" pitchFamily="18" charset="0"/>
+                <a:latin typeface="Times New Roman" charset="0"/>
                 <a:ea typeface="ＭＳ Ｐゴシック" pitchFamily="34" charset="-128"/>
               </a:rPr>
-              <a:t>Metadata is all around us. . .from Mp3 players, to nutrition labels, to library card catalogues.</a:t>
-            </a:r>
-          </a:p>
-          <a:p>
-            <a:pPr eaLnBrk="1" hangingPunct="1">
-              <a:defRPr/>
-            </a:pPr>
+              <a:t>An established standard provides common terms,</a:t>
+            </a:r>
+            <a:r>
+              <a:rPr lang="en-US" baseline="0" dirty="0" smtClean="0">
+                <a:latin typeface="Times New Roman" charset="0"/>
+                <a:ea typeface="ＭＳ Ｐゴシック" pitchFamily="34" charset="-128"/>
+              </a:rPr>
+              <a:t> </a:t>
+            </a:r>
             <a:r>
               <a:rPr lang="en-US" dirty="0" smtClean="0">
-                <a:latin typeface="Times New Roman" pitchFamily="18" charset="0"/>
+                <a:latin typeface="Times New Roman" charset="0"/>
                 <a:ea typeface="ＭＳ Ｐゴシック" pitchFamily="34" charset="-128"/>
               </a:rPr>
-              <a:t>For example, a card catalogue tell us more information than just the title of the book, they also tells the user:</a:t>
-            </a:r>
-          </a:p>
-          <a:p>
-            <a:pPr eaLnBrk="1" hangingPunct="1">
-              <a:defRPr/>
-            </a:pPr>
+              <a:t>definitions</a:t>
+            </a:r>
+            <a:r>
+              <a:rPr lang="en-US" baseline="0" dirty="0" smtClean="0">
+                <a:latin typeface="Times New Roman" charset="0"/>
+                <a:ea typeface="ＭＳ Ｐゴシック" pitchFamily="34" charset="-128"/>
+              </a:rPr>
+              <a:t> and structure that </a:t>
+            </a:r>
             <a:r>
               <a:rPr lang="en-US" dirty="0" smtClean="0">
-                <a:latin typeface="Times New Roman" pitchFamily="18" charset="0"/>
+                <a:latin typeface="Times New Roman" charset="0"/>
                 <a:ea typeface="ＭＳ Ｐゴシック" pitchFamily="34" charset="-128"/>
               </a:rPr>
-              <a:t>		Who is the author?</a:t>
-            </a:r>
-          </a:p>
-          <a:p>
-            <a:pPr eaLnBrk="1" hangingPunct="1">
-              <a:defRPr/>
-            </a:pPr>
+              <a:t>allow for</a:t>
+            </a:r>
+            <a:r>
+              <a:rPr lang="en-US" baseline="0" dirty="0" smtClean="0">
+                <a:latin typeface="Times New Roman" charset="0"/>
+                <a:ea typeface="ＭＳ Ｐゴシック" pitchFamily="34" charset="-128"/>
+              </a:rPr>
+              <a:t> consistent</a:t>
+            </a:r>
             <a:r>
               <a:rPr lang="en-US" dirty="0" smtClean="0">
-                <a:latin typeface="Times New Roman" pitchFamily="18" charset="0"/>
+                <a:latin typeface="Times New Roman" charset="0"/>
                 <a:ea typeface="ＭＳ Ｐゴシック" pitchFamily="34" charset="-128"/>
               </a:rPr>
-              <a:t>		Who published the book?</a:t>
-            </a:r>
-          </a:p>
-          <a:p>
-            <a:pPr eaLnBrk="1" hangingPunct="1">
-              <a:defRPr/>
-            </a:pPr>
-            <a:r>
-              <a:rPr lang="en-US" dirty="0" smtClean="0">
-                <a:latin typeface="Times New Roman" pitchFamily="18" charset="0"/>
+              <a:t> communication.</a:t>
+            </a:r>
+            <a:r>
+              <a:rPr lang="en-US" baseline="0" dirty="0" smtClean="0">
+                <a:latin typeface="Times New Roman" charset="0"/>
                 <a:ea typeface="ＭＳ Ｐゴシック" pitchFamily="34" charset="-128"/>
               </a:rPr>
-              <a:t>		What subject area does the book fall in?</a:t>
-            </a:r>
-          </a:p>
-          <a:p>
-            <a:pPr eaLnBrk="1" hangingPunct="1">
-              <a:defRPr/>
-            </a:pPr>
-            <a:r>
-              <a:rPr lang="en-US" dirty="0" smtClean="0">
-                <a:latin typeface="Times New Roman" pitchFamily="18" charset="0"/>
-                <a:ea typeface="ＭＳ Ｐゴシック" pitchFamily="34" charset="-128"/>
-              </a:rPr>
-              <a:t>		And finally, where is it located in the library? </a:t>
-            </a:r>
-          </a:p>
-          <a:p>
-            <a:pPr eaLnBrk="1" hangingPunct="1">
-              <a:defRPr/>
-            </a:pPr>
+              <a:t> The use of standards also support search and retrieval in automated systems. </a:t>
+            </a:r>
             <a:endParaRPr lang="en-US" dirty="0" smtClean="0">
-              <a:latin typeface="Times New Roman" pitchFamily="18" charset="0"/>
-              <a:ea typeface="ＭＳ Ｐゴシック" pitchFamily="34" charset="-128"/>
-            </a:endParaRPr>
-          </a:p>
-          <a:p>
-            <a:pPr eaLnBrk="1" hangingPunct="1">
-              <a:defRPr/>
-            </a:pPr>
-            <a:r>
-              <a:rPr lang="en-US" dirty="0" smtClean="0">
-                <a:latin typeface="Times New Roman" pitchFamily="18" charset="0"/>
-                <a:ea typeface="ＭＳ Ｐゴシック" pitchFamily="34" charset="-128"/>
-              </a:rPr>
-              <a:t>Another example of metadata that we see in our daily lives is the nutrition and ingredient information on food labels.</a:t>
-            </a:r>
-          </a:p>
-          <a:p>
-            <a:pPr eaLnBrk="1" hangingPunct="1">
-              <a:defRPr/>
-            </a:pPr>
-            <a:r>
-              <a:rPr lang="en-US" dirty="0" smtClean="0">
-                <a:latin typeface="Times New Roman" pitchFamily="18" charset="0"/>
-                <a:ea typeface="ＭＳ Ｐゴシック" pitchFamily="34" charset="-128"/>
-              </a:rPr>
-              <a:t>Nutrition labels answer questions such as: </a:t>
-            </a:r>
-          </a:p>
-          <a:p>
-            <a:pPr eaLnBrk="1" hangingPunct="1">
-              <a:defRPr/>
-            </a:pPr>
-            <a:r>
-              <a:rPr lang="en-US" dirty="0" smtClean="0">
-                <a:latin typeface="Times New Roman" pitchFamily="18" charset="0"/>
-                <a:ea typeface="ＭＳ Ｐゴシック" pitchFamily="34" charset="-128"/>
-              </a:rPr>
-              <a:t>		What ingredients</a:t>
-            </a:r>
-            <a:r>
-              <a:rPr lang="en-US" baseline="0" dirty="0" smtClean="0">
-                <a:latin typeface="Times New Roman" pitchFamily="18" charset="0"/>
-                <a:ea typeface="ＭＳ Ｐゴシック" pitchFamily="34" charset="-128"/>
-              </a:rPr>
-              <a:t> were used</a:t>
-            </a:r>
-            <a:r>
-              <a:rPr lang="en-US" dirty="0" smtClean="0">
-                <a:latin typeface="Times New Roman" pitchFamily="18" charset="0"/>
-                <a:ea typeface="ＭＳ Ｐゴシック" pitchFamily="34" charset="-128"/>
-              </a:rPr>
-              <a:t>?</a:t>
-            </a:r>
-          </a:p>
-          <a:p>
-            <a:pPr eaLnBrk="1" hangingPunct="1">
-              <a:defRPr/>
-            </a:pPr>
-            <a:r>
-              <a:rPr lang="en-US" dirty="0" smtClean="0">
-                <a:latin typeface="Times New Roman" pitchFamily="18" charset="0"/>
-                <a:ea typeface="ＭＳ Ｐゴシック" pitchFamily="34" charset="-128"/>
-              </a:rPr>
-              <a:t>		Who made the food?</a:t>
-            </a:r>
-          </a:p>
-          <a:p>
-            <a:pPr eaLnBrk="1" hangingPunct="1">
-              <a:defRPr/>
-            </a:pPr>
-            <a:r>
-              <a:rPr lang="en-US" dirty="0" smtClean="0">
-                <a:latin typeface="Times New Roman" pitchFamily="18" charset="0"/>
-                <a:ea typeface="ＭＳ Ｐゴシック" pitchFamily="34" charset="-128"/>
-              </a:rPr>
-              <a:t>		How many calories per serving?</a:t>
-            </a:r>
-          </a:p>
-          <a:p>
-            <a:pPr eaLnBrk="1" hangingPunct="1">
-              <a:defRPr/>
-            </a:pPr>
-            <a:r>
-              <a:rPr lang="en-US" dirty="0" smtClean="0">
-                <a:latin typeface="Times New Roman" pitchFamily="18" charset="0"/>
-                <a:ea typeface="ＭＳ Ｐゴシック" pitchFamily="34" charset="-128"/>
-              </a:rPr>
-              <a:t>		How many servings in the can?</a:t>
-            </a:r>
-          </a:p>
-          <a:p>
-            <a:pPr eaLnBrk="1" hangingPunct="1">
-              <a:defRPr/>
-            </a:pPr>
-            <a:r>
-              <a:rPr lang="en-US" dirty="0" smtClean="0">
-                <a:latin typeface="Times New Roman" pitchFamily="18" charset="0"/>
-                <a:ea typeface="ＭＳ Ｐゴシック" pitchFamily="34" charset="-128"/>
-              </a:rPr>
-              <a:t>		What percentage of daily vitamins are in each serving?</a:t>
-            </a:r>
-          </a:p>
-          <a:p>
-            <a:pPr eaLnBrk="1" hangingPunct="1">
-              <a:defRPr/>
-            </a:pPr>
-            <a:endParaRPr lang="en-US" dirty="0" smtClean="0">
-              <a:latin typeface="Times New Roman" pitchFamily="18" charset="0"/>
-              <a:ea typeface="ＭＳ Ｐゴシック" pitchFamily="34" charset="-128"/>
-            </a:endParaRPr>
-          </a:p>
-          <a:p>
-            <a:pPr eaLnBrk="1" hangingPunct="1">
-              <a:defRPr/>
-            </a:pPr>
-            <a:endParaRPr lang="en-US" dirty="0" smtClean="0">
-              <a:latin typeface="Times New Roman" pitchFamily="18" charset="0"/>
-              <a:ea typeface="ＭＳ Ｐゴシック" pitchFamily="34" charset="-128"/>
-            </a:endParaRPr>
-          </a:p>
-          <a:p>
-            <a:pPr eaLnBrk="1" hangingPunct="1">
-              <a:spcBef>
-                <a:spcPct val="0"/>
-              </a:spcBef>
-            </a:pPr>
-            <a:endParaRPr lang="en-US" u="sng" dirty="0" smtClean="0">
-              <a:solidFill>
-                <a:schemeClr val="accent1"/>
-              </a:solidFill>
+              <a:latin typeface="Times New Roman" charset="0"/>
               <a:ea typeface="ＭＳ Ｐゴシック" pitchFamily="34" charset="-128"/>
             </a:endParaRPr>
           </a:p>
@@ -896,14 +753,14 @@
           <a:noFill/>
           <a:extLst>
             <a:ext uri="{909E8E84-426E-40dd-AFC4-6F175D3DCCD1}">
-              <a14:hiddenFill xmlns:a14="http://schemas.microsoft.com/office/drawing/2010/main" xmlns="">
+              <a14:hiddenFill xmlns:a14="http://schemas.microsoft.com/office/drawing/2010/main">
                 <a:solidFill>
                   <a:srgbClr val="FFFFFF"/>
                 </a:solidFill>
               </a14:hiddenFill>
             </a:ext>
             <a:ext uri="{91240B29-F687-4f45-9708-019B960494DF}">
-              <a14:hiddenLine xmlns:a14="http://schemas.microsoft.com/office/drawing/2010/main" xmlns="" w="9525">
+              <a14:hiddenLine xmlns:a14="http://schemas.microsoft.com/office/drawing/2010/main" w="9525">
                 <a:solidFill>
                   <a:srgbClr val="000000"/>
                 </a:solidFill>
@@ -1031,7 +888,7 @@
                 <a:ea typeface="ＭＳ Ｐゴシック" pitchFamily="34" charset="-128"/>
               </a:rPr>
               <a:pPr eaLnBrk="1" hangingPunct="1"/>
-              <a:t>14</a:t>
+              <a:t>17</a:t>
             </a:fld>
             <a:endParaRPr lang="en-US" smtClean="0">
               <a:latin typeface="Calibri" pitchFamily="34" charset="0"/>
@@ -1049,324 +906,6 @@
 </file>
 
 <file path=ppt/notesSlides/notesSlide11.xml><?xml version="1.0" encoding="utf-8"?>
-<p:notes xmlns:a="http://schemas.openxmlformats.org/drawingml/2006/main" xmlns:r="http://schemas.openxmlformats.org/officeDocument/2006/relationships" xmlns:p="http://schemas.openxmlformats.org/presentationml/2006/main">
-  <p:cSld>
-    <p:spTree>
-      <p:nvGrpSpPr>
-        <p:cNvPr id="1" name=""/>
-        <p:cNvGrpSpPr/>
-        <p:nvPr/>
-      </p:nvGrpSpPr>
-      <p:grpSpPr>
-        <a:xfrm>
-          <a:off x="0" y="0"/>
-          <a:ext cx="0" cy="0"/>
-          <a:chOff x="0" y="0"/>
-          <a:chExt cx="0" cy="0"/>
-        </a:xfrm>
-      </p:grpSpPr>
-      <p:sp>
-        <p:nvSpPr>
-          <p:cNvPr id="32770" name="Slide Image Placeholder 1"/>
-          <p:cNvSpPr>
-            <a:spLocks noGrp="1" noRot="1" noChangeAspect="1" noTextEdit="1"/>
-          </p:cNvSpPr>
-          <p:nvPr>
-            <p:ph type="sldImg"/>
-          </p:nvPr>
-        </p:nvSpPr>
-        <p:spPr bwMode="auto">
-          <a:noFill/>
-          <a:ln>
-            <a:solidFill>
-              <a:srgbClr val="000000"/>
-            </a:solidFill>
-            <a:miter lim="800000"/>
-            <a:headEnd/>
-            <a:tailEnd/>
-          </a:ln>
-          <a:extLst>
-            <a:ext uri="{909E8E84-426E-40dd-AFC4-6F175D3DCCD1}">
-              <a14:hiddenFill xmlns:a14="http://schemas.microsoft.com/office/drawing/2010/main" xmlns="">
-                <a:solidFill>
-                  <a:srgbClr val="FFFFFF"/>
-                </a:solidFill>
-              </a14:hiddenFill>
-            </a:ext>
-          </a:extLst>
-        </p:spPr>
-      </p:sp>
-      <p:sp>
-        <p:nvSpPr>
-          <p:cNvPr id="32771" name="Notes Placeholder 2"/>
-          <p:cNvSpPr>
-            <a:spLocks noGrp="1"/>
-          </p:cNvSpPr>
-          <p:nvPr>
-            <p:ph type="body" idx="1"/>
-          </p:nvPr>
-        </p:nvSpPr>
-        <p:spPr bwMode="auto">
-          <a:noFill/>
-          <a:extLst>
-            <a:ext uri="{909E8E84-426E-40dd-AFC4-6F175D3DCCD1}">
-              <a14:hiddenFill xmlns:a14="http://schemas.microsoft.com/office/drawing/2010/main" xmlns="">
-                <a:solidFill>
-                  <a:srgbClr val="FFFFFF"/>
-                </a:solidFill>
-              </a14:hiddenFill>
-            </a:ext>
-            <a:ext uri="{91240B29-F687-4f45-9708-019B960494DF}">
-              <a14:hiddenLine xmlns:a14="http://schemas.microsoft.com/office/drawing/2010/main" xmlns="" w="9525">
-                <a:solidFill>
-                  <a:srgbClr val="000000"/>
-                </a:solidFill>
-                <a:miter lim="800000"/>
-                <a:headEnd/>
-                <a:tailEnd/>
-              </a14:hiddenLine>
-            </a:ext>
-          </a:extLst>
-        </p:spPr>
-        <p:txBody>
-          <a:bodyPr wrap="square" numCol="1" anchor="t" anchorCtr="0" compatLnSpc="1">
-            <a:prstTxWarp prst="textNoShape">
-              <a:avLst/>
-            </a:prstTxWarp>
-          </a:bodyPr>
-          <a:lstStyle/>
-          <a:p>
-            <a:pPr eaLnBrk="1" hangingPunct="1"/>
-            <a:r>
-              <a:rPr lang="en-US" dirty="0" smtClean="0">
-                <a:latin typeface="Times New Roman" charset="0"/>
-                <a:ea typeface="ＭＳ Ｐゴシック" pitchFamily="34" charset="-128"/>
-              </a:rPr>
-              <a:t>An established standard provides common terms,</a:t>
-            </a:r>
-            <a:r>
-              <a:rPr lang="en-US" baseline="0" dirty="0" smtClean="0">
-                <a:latin typeface="Times New Roman" charset="0"/>
-                <a:ea typeface="ＭＳ Ｐゴシック" pitchFamily="34" charset="-128"/>
-              </a:rPr>
-              <a:t> </a:t>
-            </a:r>
-            <a:r>
-              <a:rPr lang="en-US" dirty="0" smtClean="0">
-                <a:latin typeface="Times New Roman" charset="0"/>
-                <a:ea typeface="ＭＳ Ｐゴシック" pitchFamily="34" charset="-128"/>
-              </a:rPr>
-              <a:t>definitions</a:t>
-            </a:r>
-            <a:r>
-              <a:rPr lang="en-US" baseline="0" dirty="0" smtClean="0">
-                <a:latin typeface="Times New Roman" charset="0"/>
-                <a:ea typeface="ＭＳ Ｐゴシック" pitchFamily="34" charset="-128"/>
-              </a:rPr>
-              <a:t> and structure that </a:t>
-            </a:r>
-            <a:r>
-              <a:rPr lang="en-US" dirty="0" smtClean="0">
-                <a:latin typeface="Times New Roman" charset="0"/>
-                <a:ea typeface="ＭＳ Ｐゴシック" pitchFamily="34" charset="-128"/>
-              </a:rPr>
-              <a:t>allow for</a:t>
-            </a:r>
-            <a:r>
-              <a:rPr lang="en-US" baseline="0" dirty="0" smtClean="0">
-                <a:latin typeface="Times New Roman" charset="0"/>
-                <a:ea typeface="ＭＳ Ｐゴシック" pitchFamily="34" charset="-128"/>
-              </a:rPr>
-              <a:t> consistent</a:t>
-            </a:r>
-            <a:r>
-              <a:rPr lang="en-US" dirty="0" smtClean="0">
-                <a:latin typeface="Times New Roman" charset="0"/>
-                <a:ea typeface="ＭＳ Ｐゴシック" pitchFamily="34" charset="-128"/>
-              </a:rPr>
-              <a:t> communication.</a:t>
-            </a:r>
-            <a:r>
-              <a:rPr lang="en-US" baseline="0" dirty="0" smtClean="0">
-                <a:latin typeface="Times New Roman" charset="0"/>
-                <a:ea typeface="ＭＳ Ｐゴシック" pitchFamily="34" charset="-128"/>
-              </a:rPr>
-              <a:t> The use of standards also support search and retrieval in automated systems. </a:t>
-            </a:r>
-            <a:endParaRPr lang="en-US" dirty="0" smtClean="0">
-              <a:latin typeface="Times New Roman" charset="0"/>
-              <a:ea typeface="ＭＳ Ｐゴシック" pitchFamily="34" charset="-128"/>
-            </a:endParaRPr>
-          </a:p>
-        </p:txBody>
-      </p:sp>
-      <p:sp>
-        <p:nvSpPr>
-          <p:cNvPr id="32772" name="Slide Number Placeholder 3"/>
-          <p:cNvSpPr>
-            <a:spLocks noGrp="1"/>
-          </p:cNvSpPr>
-          <p:nvPr>
-            <p:ph type="sldNum" sz="quarter" idx="5"/>
-          </p:nvPr>
-        </p:nvSpPr>
-        <p:spPr bwMode="auto">
-          <a:noFill/>
-          <a:extLst>
-            <a:ext uri="{909E8E84-426E-40dd-AFC4-6F175D3DCCD1}">
-              <a14:hiddenFill xmlns:a14="http://schemas.microsoft.com/office/drawing/2010/main" xmlns="">
-                <a:solidFill>
-                  <a:srgbClr val="FFFFFF"/>
-                </a:solidFill>
-              </a14:hiddenFill>
-            </a:ext>
-            <a:ext uri="{91240B29-F687-4f45-9708-019B960494DF}">
-              <a14:hiddenLine xmlns:a14="http://schemas.microsoft.com/office/drawing/2010/main" xmlns="" w="9525">
-                <a:solidFill>
-                  <a:srgbClr val="000000"/>
-                </a:solidFill>
-                <a:miter lim="800000"/>
-                <a:headEnd/>
-                <a:tailEnd/>
-              </a14:hiddenLine>
-            </a:ext>
-          </a:extLst>
-        </p:spPr>
-        <p:txBody>
-          <a:bodyPr/>
-          <a:lstStyle>
-            <a:lvl1pPr eaLnBrk="0" hangingPunct="0">
-              <a:defRPr>
-                <a:solidFill>
-                  <a:schemeClr val="tx1"/>
-                </a:solidFill>
-                <a:latin typeface="Arial" charset="0"/>
-                <a:cs typeface="Arial" charset="0"/>
-              </a:defRPr>
-            </a:lvl1pPr>
-            <a:lvl2pPr marL="757066" indent="-291179" eaLnBrk="0" hangingPunct="0">
-              <a:defRPr>
-                <a:solidFill>
-                  <a:schemeClr val="tx1"/>
-                </a:solidFill>
-                <a:latin typeface="Arial" charset="0"/>
-                <a:cs typeface="Arial" charset="0"/>
-              </a:defRPr>
-            </a:lvl2pPr>
-            <a:lvl3pPr marL="1164717" indent="-232943" eaLnBrk="0" hangingPunct="0">
-              <a:defRPr>
-                <a:solidFill>
-                  <a:schemeClr val="tx1"/>
-                </a:solidFill>
-                <a:latin typeface="Arial" charset="0"/>
-                <a:cs typeface="Arial" charset="0"/>
-              </a:defRPr>
-            </a:lvl3pPr>
-            <a:lvl4pPr marL="1630604" indent="-232943" eaLnBrk="0" hangingPunct="0">
-              <a:defRPr>
-                <a:solidFill>
-                  <a:schemeClr val="tx1"/>
-                </a:solidFill>
-                <a:latin typeface="Arial" charset="0"/>
-                <a:cs typeface="Arial" charset="0"/>
-              </a:defRPr>
-            </a:lvl4pPr>
-            <a:lvl5pPr marL="2096491" indent="-232943" eaLnBrk="0" hangingPunct="0">
-              <a:defRPr>
-                <a:solidFill>
-                  <a:schemeClr val="tx1"/>
-                </a:solidFill>
-                <a:latin typeface="Arial" charset="0"/>
-                <a:cs typeface="Arial" charset="0"/>
-              </a:defRPr>
-            </a:lvl5pPr>
-            <a:lvl6pPr marL="2562377" indent="-232943" defTabSz="465887" eaLnBrk="0" fontAlgn="base" hangingPunct="0">
-              <a:spcBef>
-                <a:spcPct val="0"/>
-              </a:spcBef>
-              <a:spcAft>
-                <a:spcPct val="0"/>
-              </a:spcAft>
-              <a:defRPr>
-                <a:solidFill>
-                  <a:schemeClr val="tx1"/>
-                </a:solidFill>
-                <a:latin typeface="Arial" charset="0"/>
-                <a:cs typeface="Arial" charset="0"/>
-              </a:defRPr>
-            </a:lvl6pPr>
-            <a:lvl7pPr marL="3028264" indent="-232943" defTabSz="465887" eaLnBrk="0" fontAlgn="base" hangingPunct="0">
-              <a:spcBef>
-                <a:spcPct val="0"/>
-              </a:spcBef>
-              <a:spcAft>
-                <a:spcPct val="0"/>
-              </a:spcAft>
-              <a:defRPr>
-                <a:solidFill>
-                  <a:schemeClr val="tx1"/>
-                </a:solidFill>
-                <a:latin typeface="Arial" charset="0"/>
-                <a:cs typeface="Arial" charset="0"/>
-              </a:defRPr>
-            </a:lvl7pPr>
-            <a:lvl8pPr marL="3494151" indent="-232943" defTabSz="465887" eaLnBrk="0" fontAlgn="base" hangingPunct="0">
-              <a:spcBef>
-                <a:spcPct val="0"/>
-              </a:spcBef>
-              <a:spcAft>
-                <a:spcPct val="0"/>
-              </a:spcAft>
-              <a:defRPr>
-                <a:solidFill>
-                  <a:schemeClr val="tx1"/>
-                </a:solidFill>
-                <a:latin typeface="Arial" charset="0"/>
-                <a:cs typeface="Arial" charset="0"/>
-              </a:defRPr>
-            </a:lvl8pPr>
-            <a:lvl9pPr marL="3960038" indent="-232943" defTabSz="465887" eaLnBrk="0" fontAlgn="base" hangingPunct="0">
-              <a:spcBef>
-                <a:spcPct val="0"/>
-              </a:spcBef>
-              <a:spcAft>
-                <a:spcPct val="0"/>
-              </a:spcAft>
-              <a:defRPr>
-                <a:solidFill>
-                  <a:schemeClr val="tx1"/>
-                </a:solidFill>
-                <a:latin typeface="Arial" charset="0"/>
-                <a:cs typeface="Arial" charset="0"/>
-              </a:defRPr>
-            </a:lvl9pPr>
-          </a:lstStyle>
-          <a:p>
-            <a:pPr eaLnBrk="1" hangingPunct="1"/>
-            <a:fld id="{45B0BCA6-33EC-4A59-BBEF-53B91F0D0FEB}" type="slidenum">
-              <a:rPr lang="en-US" smtClean="0">
-                <a:latin typeface="Calibri" pitchFamily="34" charset="0"/>
-                <a:ea typeface="ＭＳ Ｐゴシック" pitchFamily="34" charset="-128"/>
-              </a:rPr>
-              <a:pPr eaLnBrk="1" hangingPunct="1"/>
-              <a:t>17</a:t>
-            </a:fld>
-            <a:endParaRPr lang="en-US" smtClean="0">
-              <a:latin typeface="Calibri" pitchFamily="34" charset="0"/>
-              <a:ea typeface="ＭＳ Ｐゴシック" pitchFamily="34" charset="-128"/>
-            </a:endParaRPr>
-          </a:p>
-        </p:txBody>
-      </p:sp>
-    </p:spTree>
-  </p:cSld>
-  <p:clrMapOvr>
-    <a:masterClrMapping/>
-  </p:clrMapOvr>
-</p:notes>
-</file>
-
-<file path=ppt/notesSlides/notesSlide12.xml><?xml version="1.0" encoding="utf-8"?>
 <p:notes xmlns:a="http://schemas.openxmlformats.org/drawingml/2006/main" xmlns:r="http://schemas.openxmlformats.org/officeDocument/2006/relationships" xmlns:p="http://schemas.openxmlformats.org/presentationml/2006/main">
   <p:cSld>
     <p:spTree>
@@ -1432,7 +971,7 @@
             <a:fld id="{BD1BE559-B438-492B-8B25-996CFA6FE800}" type="slidenum">
               <a:rPr lang="en-US" smtClean="0"/>
               <a:pPr/>
-              <a:t>20</a:t>
+              <a:t>24</a:t>
             </a:fld>
             <a:endParaRPr lang="en-US"/>
           </a:p>
@@ -1441,7 +980,7 @@
     </p:spTree>
     <p:extLst>
       <p:ext uri="{BB962C8B-B14F-4D97-AF65-F5344CB8AC3E}">
-        <p14:creationId xmlns="" xmlns:p14="http://schemas.microsoft.com/office/powerpoint/2010/main" val="1680488964"/>
+        <p14:creationId xmlns:p14="http://schemas.microsoft.com/office/powerpoint/2010/main" val="1680488964"/>
       </p:ext>
     </p:extLst>
   </p:cSld>
@@ -1576,7 +1115,7 @@
           </a:ln>
           <a:extLst>
             <a:ext uri="{909E8E84-426E-40dd-AFC4-6F175D3DCCD1}">
-              <a14:hiddenFill xmlns:a14="http://schemas.microsoft.com/office/drawing/2010/main" xmlns="">
+              <a14:hiddenFill xmlns:a14="http://schemas.microsoft.com/office/drawing/2010/main">
                 <a:solidFill>
                   <a:srgbClr val="FFFFFF"/>
                 </a:solidFill>
@@ -1599,14 +1138,14 @@
           <a:noFill/>
           <a:extLst>
             <a:ext uri="{909E8E84-426E-40dd-AFC4-6F175D3DCCD1}">
-              <a14:hiddenFill xmlns:a14="http://schemas.microsoft.com/office/drawing/2010/main" xmlns="">
+              <a14:hiddenFill xmlns:a14="http://schemas.microsoft.com/office/drawing/2010/main">
                 <a:solidFill>
                   <a:srgbClr val="FFFFFF"/>
                 </a:solidFill>
               </a14:hiddenFill>
             </a:ext>
             <a:ext uri="{91240B29-F687-4f45-9708-019B960494DF}">
-              <a14:hiddenLine xmlns:a14="http://schemas.microsoft.com/office/drawing/2010/main" xmlns="" w="9525">
+              <a14:hiddenLine xmlns:a14="http://schemas.microsoft.com/office/drawing/2010/main" w="9525">
                 <a:solidFill>
                   <a:srgbClr val="000000"/>
                 </a:solidFill>
@@ -1678,14 +1217,14 @@
           <a:noFill/>
           <a:extLst>
             <a:ext uri="{909E8E84-426E-40dd-AFC4-6F175D3DCCD1}">
-              <a14:hiddenFill xmlns:a14="http://schemas.microsoft.com/office/drawing/2010/main" xmlns="">
+              <a14:hiddenFill xmlns:a14="http://schemas.microsoft.com/office/drawing/2010/main">
                 <a:solidFill>
                   <a:srgbClr val="FFFFFF"/>
                 </a:solidFill>
               </a14:hiddenFill>
             </a:ext>
             <a:ext uri="{91240B29-F687-4f45-9708-019B960494DF}">
-              <a14:hiddenLine xmlns:a14="http://schemas.microsoft.com/office/drawing/2010/main" xmlns="" w="9525">
+              <a14:hiddenLine xmlns:a14="http://schemas.microsoft.com/office/drawing/2010/main" w="9525">
                 <a:solidFill>
                   <a:srgbClr val="000000"/>
                 </a:solidFill>
@@ -1869,7 +1408,7 @@
           </a:ln>
           <a:extLst>
             <a:ext uri="{909E8E84-426E-40dd-AFC4-6F175D3DCCD1}">
-              <a14:hiddenFill xmlns:a14="http://schemas.microsoft.com/office/drawing/2010/main" xmlns="">
+              <a14:hiddenFill xmlns:a14="http://schemas.microsoft.com/office/drawing/2010/main">
                 <a:solidFill>
                   <a:srgbClr val="FFFFFF"/>
                 </a:solidFill>
@@ -1892,14 +1431,14 @@
           <a:noFill/>
           <a:extLst>
             <a:ext uri="{909E8E84-426E-40dd-AFC4-6F175D3DCCD1}">
-              <a14:hiddenFill xmlns:a14="http://schemas.microsoft.com/office/drawing/2010/main" xmlns="">
+              <a14:hiddenFill xmlns:a14="http://schemas.microsoft.com/office/drawing/2010/main">
                 <a:solidFill>
                   <a:srgbClr val="FFFFFF"/>
                 </a:solidFill>
               </a14:hiddenFill>
             </a:ext>
             <a:ext uri="{91240B29-F687-4f45-9708-019B960494DF}">
-              <a14:hiddenLine xmlns:a14="http://schemas.microsoft.com/office/drawing/2010/main" xmlns="" w="9525">
+              <a14:hiddenLine xmlns:a14="http://schemas.microsoft.com/office/drawing/2010/main" w="9525">
                 <a:solidFill>
                   <a:srgbClr val="000000"/>
                 </a:solidFill>
@@ -1989,14 +1528,14 @@
           <a:noFill/>
           <a:extLst>
             <a:ext uri="{909E8E84-426E-40dd-AFC4-6F175D3DCCD1}">
-              <a14:hiddenFill xmlns:a14="http://schemas.microsoft.com/office/drawing/2010/main" xmlns="">
+              <a14:hiddenFill xmlns:a14="http://schemas.microsoft.com/office/drawing/2010/main">
                 <a:solidFill>
                   <a:srgbClr val="FFFFFF"/>
                 </a:solidFill>
               </a14:hiddenFill>
             </a:ext>
             <a:ext uri="{91240B29-F687-4f45-9708-019B960494DF}">
-              <a14:hiddenLine xmlns:a14="http://schemas.microsoft.com/office/drawing/2010/main" xmlns="" w="9525">
+              <a14:hiddenLine xmlns:a14="http://schemas.microsoft.com/office/drawing/2010/main" w="9525">
                 <a:solidFill>
                   <a:srgbClr val="000000"/>
                 </a:solidFill>
@@ -2180,7 +1719,7 @@
           </a:ln>
           <a:extLst>
             <a:ext uri="{909E8E84-426E-40dd-AFC4-6F175D3DCCD1}">
-              <a14:hiddenFill xmlns:a14="http://schemas.microsoft.com/office/drawing/2010/main" xmlns="">
+              <a14:hiddenFill xmlns:a14="http://schemas.microsoft.com/office/drawing/2010/main">
                 <a:solidFill>
                   <a:srgbClr val="FFFFFF"/>
                 </a:solidFill>
@@ -2203,14 +1742,14 @@
           <a:noFill/>
           <a:extLst>
             <a:ext uri="{909E8E84-426E-40dd-AFC4-6F175D3DCCD1}">
-              <a14:hiddenFill xmlns:a14="http://schemas.microsoft.com/office/drawing/2010/main" xmlns="">
+              <a14:hiddenFill xmlns:a14="http://schemas.microsoft.com/office/drawing/2010/main">
                 <a:solidFill>
                   <a:srgbClr val="FFFFFF"/>
                 </a:solidFill>
               </a14:hiddenFill>
             </a:ext>
             <a:ext uri="{91240B29-F687-4f45-9708-019B960494DF}">
-              <a14:hiddenLine xmlns:a14="http://schemas.microsoft.com/office/drawing/2010/main" xmlns="" w="9525">
+              <a14:hiddenLine xmlns:a14="http://schemas.microsoft.com/office/drawing/2010/main" w="9525">
                 <a:solidFill>
                   <a:srgbClr val="000000"/>
                 </a:solidFill>
@@ -2289,14 +1828,14 @@
           <a:noFill/>
           <a:extLst>
             <a:ext uri="{909E8E84-426E-40dd-AFC4-6F175D3DCCD1}">
-              <a14:hiddenFill xmlns:a14="http://schemas.microsoft.com/office/drawing/2010/main" xmlns="">
+              <a14:hiddenFill xmlns:a14="http://schemas.microsoft.com/office/drawing/2010/main">
                 <a:solidFill>
                   <a:srgbClr val="FFFFFF"/>
                 </a:solidFill>
               </a14:hiddenFill>
             </a:ext>
             <a:ext uri="{91240B29-F687-4f45-9708-019B960494DF}">
-              <a14:hiddenLine xmlns:a14="http://schemas.microsoft.com/office/drawing/2010/main" xmlns="" w="9525">
+              <a14:hiddenLine xmlns:a14="http://schemas.microsoft.com/office/drawing/2010/main" w="9525">
                 <a:solidFill>
                   <a:srgbClr val="000000"/>
                 </a:solidFill>
@@ -2480,7 +2019,7 @@
           </a:ln>
           <a:extLst>
             <a:ext uri="{909E8E84-426E-40dd-AFC4-6F175D3DCCD1}">
-              <a14:hiddenFill xmlns:a14="http://schemas.microsoft.com/office/drawing/2010/main" xmlns="">
+              <a14:hiddenFill xmlns:a14="http://schemas.microsoft.com/office/drawing/2010/main">
                 <a:solidFill>
                   <a:srgbClr val="FFFFFF"/>
                 </a:solidFill>
@@ -2503,14 +2042,14 @@
           <a:noFill/>
           <a:extLst>
             <a:ext uri="{909E8E84-426E-40dd-AFC4-6F175D3DCCD1}">
-              <a14:hiddenFill xmlns:a14="http://schemas.microsoft.com/office/drawing/2010/main" xmlns="">
+              <a14:hiddenFill xmlns:a14="http://schemas.microsoft.com/office/drawing/2010/main">
                 <a:solidFill>
                   <a:srgbClr val="FFFFFF"/>
                 </a:solidFill>
               </a14:hiddenFill>
             </a:ext>
             <a:ext uri="{91240B29-F687-4f45-9708-019B960494DF}">
-              <a14:hiddenLine xmlns:a14="http://schemas.microsoft.com/office/drawing/2010/main" xmlns="" w="9525">
+              <a14:hiddenLine xmlns:a14="http://schemas.microsoft.com/office/drawing/2010/main" w="9525">
                 <a:solidFill>
                   <a:srgbClr val="000000"/>
                 </a:solidFill>
@@ -2586,14 +2125,14 @@
           <a:noFill/>
           <a:extLst>
             <a:ext uri="{909E8E84-426E-40dd-AFC4-6F175D3DCCD1}">
-              <a14:hiddenFill xmlns:a14="http://schemas.microsoft.com/office/drawing/2010/main" xmlns="">
+              <a14:hiddenFill xmlns:a14="http://schemas.microsoft.com/office/drawing/2010/main">
                 <a:solidFill>
                   <a:srgbClr val="FFFFFF"/>
                 </a:solidFill>
               </a14:hiddenFill>
             </a:ext>
             <a:ext uri="{91240B29-F687-4f45-9708-019B960494DF}">
-              <a14:hiddenLine xmlns:a14="http://schemas.microsoft.com/office/drawing/2010/main" xmlns="" w="9525">
+              <a14:hiddenLine xmlns:a14="http://schemas.microsoft.com/office/drawing/2010/main" w="9525">
                 <a:solidFill>
                   <a:srgbClr val="000000"/>
                 </a:solidFill>
@@ -2777,7 +2316,7 @@
           </a:ln>
           <a:extLst>
             <a:ext uri="{909E8E84-426E-40dd-AFC4-6F175D3DCCD1}">
-              <a14:hiddenFill xmlns:a14="http://schemas.microsoft.com/office/drawing/2010/main" xmlns="">
+              <a14:hiddenFill xmlns:a14="http://schemas.microsoft.com/office/drawing/2010/main">
                 <a:solidFill>
                   <a:srgbClr val="FFFFFF"/>
                 </a:solidFill>
@@ -2800,14 +2339,14 @@
           <a:noFill/>
           <a:extLst>
             <a:ext uri="{909E8E84-426E-40dd-AFC4-6F175D3DCCD1}">
-              <a14:hiddenFill xmlns:a14="http://schemas.microsoft.com/office/drawing/2010/main" xmlns="">
+              <a14:hiddenFill xmlns:a14="http://schemas.microsoft.com/office/drawing/2010/main">
                 <a:solidFill>
                   <a:srgbClr val="FFFFFF"/>
                 </a:solidFill>
               </a14:hiddenFill>
             </a:ext>
             <a:ext uri="{91240B29-F687-4f45-9708-019B960494DF}">
-              <a14:hiddenLine xmlns:a14="http://schemas.microsoft.com/office/drawing/2010/main" xmlns="" w="9525">
+              <a14:hiddenLine xmlns:a14="http://schemas.microsoft.com/office/drawing/2010/main" w="9525">
                 <a:solidFill>
                   <a:srgbClr val="000000"/>
                 </a:solidFill>
@@ -2942,14 +2481,14 @@
           <a:noFill/>
           <a:extLst>
             <a:ext uri="{909E8E84-426E-40dd-AFC4-6F175D3DCCD1}">
-              <a14:hiddenFill xmlns:a14="http://schemas.microsoft.com/office/drawing/2010/main" xmlns="">
+              <a14:hiddenFill xmlns:a14="http://schemas.microsoft.com/office/drawing/2010/main">
                 <a:solidFill>
                   <a:srgbClr val="FFFFFF"/>
                 </a:solidFill>
               </a14:hiddenFill>
             </a:ext>
             <a:ext uri="{91240B29-F687-4f45-9708-019B960494DF}">
-              <a14:hiddenLine xmlns:a14="http://schemas.microsoft.com/office/drawing/2010/main" xmlns="" w="9525">
+              <a14:hiddenLine xmlns:a14="http://schemas.microsoft.com/office/drawing/2010/main" w="9525">
                 <a:solidFill>
                   <a:srgbClr val="000000"/>
                 </a:solidFill>
@@ -3133,7 +2672,7 @@
           </a:ln>
           <a:extLst>
             <a:ext uri="{909E8E84-426E-40dd-AFC4-6F175D3DCCD1}">
-              <a14:hiddenFill xmlns:a14="http://schemas.microsoft.com/office/drawing/2010/main" xmlns="">
+              <a14:hiddenFill xmlns:a14="http://schemas.microsoft.com/office/drawing/2010/main">
                 <a:solidFill>
                   <a:srgbClr val="FFFFFF"/>
                 </a:solidFill>
@@ -3156,14 +2695,14 @@
           <a:noFill/>
           <a:extLst>
             <a:ext uri="{909E8E84-426E-40dd-AFC4-6F175D3DCCD1}">
-              <a14:hiddenFill xmlns:a14="http://schemas.microsoft.com/office/drawing/2010/main" xmlns="">
+              <a14:hiddenFill xmlns:a14="http://schemas.microsoft.com/office/drawing/2010/main">
                 <a:solidFill>
                   <a:srgbClr val="FFFFFF"/>
                 </a:solidFill>
               </a14:hiddenFill>
             </a:ext>
             <a:ext uri="{91240B29-F687-4f45-9708-019B960494DF}">
-              <a14:hiddenLine xmlns:a14="http://schemas.microsoft.com/office/drawing/2010/main" xmlns="" w="9525">
+              <a14:hiddenLine xmlns:a14="http://schemas.microsoft.com/office/drawing/2010/main" w="9525">
                 <a:solidFill>
                   <a:srgbClr val="000000"/>
                 </a:solidFill>
@@ -3392,14 +2931,14 @@
           <a:noFill/>
           <a:extLst>
             <a:ext uri="{909E8E84-426E-40dd-AFC4-6F175D3DCCD1}">
-              <a14:hiddenFill xmlns:a14="http://schemas.microsoft.com/office/drawing/2010/main" xmlns="">
+              <a14:hiddenFill xmlns:a14="http://schemas.microsoft.com/office/drawing/2010/main">
                 <a:solidFill>
                   <a:srgbClr val="FFFFFF"/>
                 </a:solidFill>
               </a14:hiddenFill>
             </a:ext>
             <a:ext uri="{91240B29-F687-4f45-9708-019B960494DF}">
-              <a14:hiddenLine xmlns:a14="http://schemas.microsoft.com/office/drawing/2010/main" xmlns="" w="9525">
+              <a14:hiddenLine xmlns:a14="http://schemas.microsoft.com/office/drawing/2010/main" w="9525">
                 <a:solidFill>
                   <a:srgbClr val="000000"/>
                 </a:solidFill>
@@ -3583,7 +3122,7 @@
           </a:ln>
           <a:extLst>
             <a:ext uri="{909E8E84-426E-40dd-AFC4-6F175D3DCCD1}">
-              <a14:hiddenFill xmlns:a14="http://schemas.microsoft.com/office/drawing/2010/main" xmlns="">
+              <a14:hiddenFill xmlns:a14="http://schemas.microsoft.com/office/drawing/2010/main">
                 <a:solidFill>
                   <a:srgbClr val="FFFFFF"/>
                 </a:solidFill>
@@ -3606,14 +3145,14 @@
           <a:noFill/>
           <a:extLst>
             <a:ext uri="{909E8E84-426E-40dd-AFC4-6F175D3DCCD1}">
-              <a14:hiddenFill xmlns:a14="http://schemas.microsoft.com/office/drawing/2010/main" xmlns="">
+              <a14:hiddenFill xmlns:a14="http://schemas.microsoft.com/office/drawing/2010/main">
                 <a:solidFill>
                   <a:srgbClr val="FFFFFF"/>
                 </a:solidFill>
               </a14:hiddenFill>
             </a:ext>
             <a:ext uri="{91240B29-F687-4f45-9708-019B960494DF}">
-              <a14:hiddenLine xmlns:a14="http://schemas.microsoft.com/office/drawing/2010/main" xmlns="" w="9525">
+              <a14:hiddenLine xmlns:a14="http://schemas.microsoft.com/office/drawing/2010/main" w="9525">
                 <a:solidFill>
                   <a:srgbClr val="000000"/>
                 </a:solidFill>
@@ -3815,14 +3354,14 @@
           <a:noFill/>
           <a:extLst>
             <a:ext uri="{909E8E84-426E-40dd-AFC4-6F175D3DCCD1}">
-              <a14:hiddenFill xmlns:a14="http://schemas.microsoft.com/office/drawing/2010/main" xmlns="">
+              <a14:hiddenFill xmlns:a14="http://schemas.microsoft.com/office/drawing/2010/main">
                 <a:solidFill>
                   <a:srgbClr val="FFFFFF"/>
                 </a:solidFill>
               </a14:hiddenFill>
             </a:ext>
             <a:ext uri="{91240B29-F687-4f45-9708-019B960494DF}">
-              <a14:hiddenLine xmlns:a14="http://schemas.microsoft.com/office/drawing/2010/main" xmlns="" w="9525">
+              <a14:hiddenLine xmlns:a14="http://schemas.microsoft.com/office/drawing/2010/main" w="9525">
                 <a:solidFill>
                   <a:srgbClr val="000000"/>
                 </a:solidFill>
@@ -4110,7 +3649,7 @@
               <a:pPr>
                 <a:defRPr/>
               </a:pPr>
-              <a:t>2/22/2016</a:t>
+              <a:t>2/28/16</a:t>
             </a:fld>
             <a:endParaRPr lang="en-US">
               <a:solidFill>
@@ -4194,7 +3733,7 @@
     </p:spTree>
     <p:extLst>
       <p:ext uri="{BB962C8B-B14F-4D97-AF65-F5344CB8AC3E}">
-        <p14:creationId xmlns="" xmlns:p14="http://schemas.microsoft.com/office/powerpoint/2010/main" val="588844449"/>
+        <p14:creationId xmlns:p14="http://schemas.microsoft.com/office/powerpoint/2010/main" val="588844449"/>
       </p:ext>
     </p:extLst>
   </p:cSld>
@@ -4325,7 +3864,7 @@
               <a:pPr>
                 <a:defRPr/>
               </a:pPr>
-              <a:t>2/22/2016</a:t>
+              <a:t>2/28/16</a:t>
             </a:fld>
             <a:endParaRPr lang="en-US">
               <a:solidFill>
@@ -4409,7 +3948,7 @@
     </p:spTree>
     <p:extLst>
       <p:ext uri="{BB962C8B-B14F-4D97-AF65-F5344CB8AC3E}">
-        <p14:creationId xmlns="" xmlns:p14="http://schemas.microsoft.com/office/powerpoint/2010/main" val="2374176888"/>
+        <p14:creationId xmlns:p14="http://schemas.microsoft.com/office/powerpoint/2010/main" val="2374176888"/>
       </p:ext>
     </p:extLst>
   </p:cSld>
@@ -4550,7 +4089,7 @@
               <a:pPr>
                 <a:defRPr/>
               </a:pPr>
-              <a:t>2/22/2016</a:t>
+              <a:t>2/28/16</a:t>
             </a:fld>
             <a:endParaRPr lang="en-US">
               <a:solidFill>
@@ -4634,7 +4173,7 @@
     </p:spTree>
     <p:extLst>
       <p:ext uri="{BB962C8B-B14F-4D97-AF65-F5344CB8AC3E}">
-        <p14:creationId xmlns="" xmlns:p14="http://schemas.microsoft.com/office/powerpoint/2010/main" val="991584953"/>
+        <p14:creationId xmlns:p14="http://schemas.microsoft.com/office/powerpoint/2010/main" val="991584953"/>
       </p:ext>
     </p:extLst>
   </p:cSld>
@@ -4791,7 +4330,7 @@
               <a:pPr>
                 <a:defRPr/>
               </a:pPr>
-              <a:t>2/22/2016</a:t>
+              <a:t>2/28/16</a:t>
             </a:fld>
             <a:endParaRPr lang="en-US">
               <a:solidFill>
@@ -4875,7 +4414,7 @@
     </p:spTree>
     <p:extLst>
       <p:ext uri="{BB962C8B-B14F-4D97-AF65-F5344CB8AC3E}">
-        <p14:creationId xmlns="" xmlns:p14="http://schemas.microsoft.com/office/powerpoint/2010/main" val="379613614"/>
+        <p14:creationId xmlns:p14="http://schemas.microsoft.com/office/powerpoint/2010/main" val="379613614"/>
       </p:ext>
     </p:extLst>
   </p:cSld>
@@ -5080,7 +4619,7 @@
               <a:pPr>
                 <a:defRPr/>
               </a:pPr>
-              <a:t>2/22/2016</a:t>
+              <a:t>2/28/16</a:t>
             </a:fld>
             <a:endParaRPr lang="en-US">
               <a:solidFill>
@@ -5164,7 +4703,7 @@
     </p:spTree>
     <p:extLst>
       <p:ext uri="{BB962C8B-B14F-4D97-AF65-F5344CB8AC3E}">
-        <p14:creationId xmlns="" xmlns:p14="http://schemas.microsoft.com/office/powerpoint/2010/main" val="1749530271"/>
+        <p14:creationId xmlns:p14="http://schemas.microsoft.com/office/powerpoint/2010/main" val="1749530271"/>
       </p:ext>
     </p:extLst>
   </p:cSld>
@@ -5401,7 +4940,7 @@
               <a:pPr>
                 <a:defRPr/>
               </a:pPr>
-              <a:t>2/22/2016</a:t>
+              <a:t>2/28/16</a:t>
             </a:fld>
             <a:endParaRPr lang="en-US">
               <a:solidFill>
@@ -5485,7 +5024,7 @@
     </p:spTree>
     <p:extLst>
       <p:ext uri="{BB962C8B-B14F-4D97-AF65-F5344CB8AC3E}">
-        <p14:creationId xmlns="" xmlns:p14="http://schemas.microsoft.com/office/powerpoint/2010/main" val="4117643888"/>
+        <p14:creationId xmlns:p14="http://schemas.microsoft.com/office/powerpoint/2010/main" val="4117643888"/>
       </p:ext>
     </p:extLst>
   </p:cSld>
@@ -5861,7 +5400,7 @@
               <a:pPr>
                 <a:defRPr/>
               </a:pPr>
-              <a:t>2/22/2016</a:t>
+              <a:t>2/28/16</a:t>
             </a:fld>
             <a:endParaRPr lang="en-US">
               <a:solidFill>
@@ -5945,7 +5484,7 @@
     </p:spTree>
     <p:extLst>
       <p:ext uri="{BB962C8B-B14F-4D97-AF65-F5344CB8AC3E}">
-        <p14:creationId xmlns="" xmlns:p14="http://schemas.microsoft.com/office/powerpoint/2010/main" val="3305394207"/>
+        <p14:creationId xmlns:p14="http://schemas.microsoft.com/office/powerpoint/2010/main" val="3305394207"/>
       </p:ext>
     </p:extLst>
   </p:cSld>
@@ -6032,7 +5571,7 @@
               <a:pPr>
                 <a:defRPr/>
               </a:pPr>
-              <a:t>2/22/2016</a:t>
+              <a:t>2/28/16</a:t>
             </a:fld>
             <a:endParaRPr lang="en-US">
               <a:solidFill>
@@ -6116,7 +5655,7 @@
     </p:spTree>
     <p:extLst>
       <p:ext uri="{BB962C8B-B14F-4D97-AF65-F5344CB8AC3E}">
-        <p14:creationId xmlns="" xmlns:p14="http://schemas.microsoft.com/office/powerpoint/2010/main" val="2564282291"/>
+        <p14:creationId xmlns:p14="http://schemas.microsoft.com/office/powerpoint/2010/main" val="2564282291"/>
       </p:ext>
     </p:extLst>
   </p:cSld>
@@ -6172,7 +5711,7 @@
               <a:pPr>
                 <a:defRPr/>
               </a:pPr>
-              <a:t>2/22/2016</a:t>
+              <a:t>2/28/16</a:t>
             </a:fld>
             <a:endParaRPr lang="en-US">
               <a:solidFill>
@@ -6256,7 +5795,7 @@
     </p:spTree>
     <p:extLst>
       <p:ext uri="{BB962C8B-B14F-4D97-AF65-F5344CB8AC3E}">
-        <p14:creationId xmlns="" xmlns:p14="http://schemas.microsoft.com/office/powerpoint/2010/main" val="2633152322"/>
+        <p14:creationId xmlns:p14="http://schemas.microsoft.com/office/powerpoint/2010/main" val="2633152322"/>
       </p:ext>
     </p:extLst>
   </p:cSld>
@@ -6494,7 +6033,7 @@
               <a:pPr>
                 <a:defRPr/>
               </a:pPr>
-              <a:t>2/22/2016</a:t>
+              <a:t>2/28/16</a:t>
             </a:fld>
             <a:endParaRPr lang="en-US">
               <a:solidFill>
@@ -6578,7 +6117,7 @@
     </p:spTree>
     <p:extLst>
       <p:ext uri="{BB962C8B-B14F-4D97-AF65-F5344CB8AC3E}">
-        <p14:creationId xmlns="" xmlns:p14="http://schemas.microsoft.com/office/powerpoint/2010/main" val="4283600683"/>
+        <p14:creationId xmlns:p14="http://schemas.microsoft.com/office/powerpoint/2010/main" val="4283600683"/>
       </p:ext>
     </p:extLst>
   </p:cSld>
@@ -6796,7 +6335,7 @@
               <a:pPr>
                 <a:defRPr/>
               </a:pPr>
-              <a:t>2/22/2016</a:t>
+              <a:t>2/28/16</a:t>
             </a:fld>
             <a:endParaRPr lang="en-US">
               <a:solidFill>
@@ -6880,7 +6419,7 @@
     </p:spTree>
     <p:extLst>
       <p:ext uri="{BB962C8B-B14F-4D97-AF65-F5344CB8AC3E}">
-        <p14:creationId xmlns="" xmlns:p14="http://schemas.microsoft.com/office/powerpoint/2010/main" val="3406240267"/>
+        <p14:creationId xmlns:p14="http://schemas.microsoft.com/office/powerpoint/2010/main" val="3406240267"/>
       </p:ext>
     </p:extLst>
   </p:cSld>
@@ -7054,7 +6593,7 @@
               <a:pPr>
                 <a:defRPr/>
               </a:pPr>
-              <a:t>2/22/2016</a:t>
+              <a:t>2/28/16</a:t>
             </a:fld>
             <a:endParaRPr lang="en-US">
               <a:solidFill>
@@ -7174,7 +6713,7 @@
     </p:spTree>
     <p:extLst>
       <p:ext uri="{BB962C8B-B14F-4D97-AF65-F5344CB8AC3E}">
-        <p14:creationId xmlns="" xmlns:p14="http://schemas.microsoft.com/office/powerpoint/2010/main" val="1652920772"/>
+        <p14:creationId xmlns:p14="http://schemas.microsoft.com/office/powerpoint/2010/main" val="1652920772"/>
       </p:ext>
     </p:extLst>
   </p:cSld>
@@ -7504,7 +7043,7 @@
           <a:blip r:embed="rId3" cstate="print">
             <a:extLst>
               <a:ext uri="{28A0092B-C50C-407E-A947-70E740481C1C}">
-                <a14:useLocalDpi xmlns="" xmlns:a14="http://schemas.microsoft.com/office/drawing/2010/main" val="0"/>
+                <a14:useLocalDpi xmlns:a14="http://schemas.microsoft.com/office/drawing/2010/main" val="0"/>
               </a:ext>
             </a:extLst>
           </a:blip>
@@ -7667,7 +7206,7 @@
     </p:spTree>
     <p:extLst>
       <p:ext uri="{BB962C8B-B14F-4D97-AF65-F5344CB8AC3E}">
-        <p14:creationId xmlns="" xmlns:p14="http://schemas.microsoft.com/office/powerpoint/2010/main" val="1875680063"/>
+        <p14:creationId xmlns:p14="http://schemas.microsoft.com/office/powerpoint/2010/main" val="1875680063"/>
       </p:ext>
     </p:extLst>
   </p:cSld>
@@ -7677,7 +7216,7 @@
   <p:timing>
     <p:tnLst>
       <p:par>
-        <p:cTn id="1" dur="indefinite" restart="never" nodeType="tmRoot"/>
+        <p:cTn xmlns:p14="http://schemas.microsoft.com/office/powerpoint/2010/main" id="1" dur="indefinite" restart="never" nodeType="tmRoot"/>
       </p:par>
     </p:tnLst>
   </p:timing>
@@ -8060,11 +7599,11 @@
   <p:clrMapOvr>
     <a:masterClrMapping/>
   </p:clrMapOvr>
-  <p:transition/>
+  <p:transition xmlns:p14="http://schemas.microsoft.com/office/powerpoint/2010/main"/>
   <p:timing>
     <p:tnLst>
       <p:par>
-        <p:cTn id="1" dur="indefinite" restart="never" nodeType="tmRoot"/>
+        <p:cTn xmlns:p14="http://schemas.microsoft.com/office/powerpoint/2010/main" id="1" dur="indefinite" restart="never" nodeType="tmRoot"/>
       </p:par>
     </p:tnLst>
   </p:timing>
@@ -8641,11 +8180,11 @@
   <p:clrMapOvr>
     <a:masterClrMapping/>
   </p:clrMapOvr>
-  <p:transition/>
+  <p:transition xmlns:p14="http://schemas.microsoft.com/office/powerpoint/2010/main"/>
   <p:timing>
     <p:tnLst>
       <p:par>
-        <p:cTn id="1" dur="indefinite" restart="never" nodeType="tmRoot"/>
+        <p:cTn xmlns:p14="http://schemas.microsoft.com/office/powerpoint/2010/main" id="1" dur="indefinite" restart="never" nodeType="tmRoot"/>
       </p:par>
     </p:tnLst>
   </p:timing>
@@ -8963,7 +8502,7 @@
           <a:noFill/>
           <a:extLst>
             <a:ext uri="{909E8E84-426E-40dd-AFC4-6F175D3DCCD1}">
-              <a14:hiddenFill xmlns:a14="http://schemas.microsoft.com/office/drawing/2010/main" xmlns="">
+              <a14:hiddenFill xmlns:a14="http://schemas.microsoft.com/office/drawing/2010/main">
                 <a:solidFill>
                   <a:srgbClr val="FFFFFF"/>
                 </a:solidFill>
@@ -9002,7 +8541,7 @@
           <a:noFill/>
           <a:extLst>
             <a:ext uri="{909E8E84-426E-40dd-AFC4-6F175D3DCCD1}">
-              <a14:hiddenFill xmlns:a14="http://schemas.microsoft.com/office/drawing/2010/main" xmlns="">
+              <a14:hiddenFill xmlns:a14="http://schemas.microsoft.com/office/drawing/2010/main">
                 <a:solidFill>
                   <a:srgbClr val="FFFFFF"/>
                 </a:solidFill>
@@ -9034,7 +8573,7 @@
           <a:blip r:embed="rId3" cstate="print">
             <a:extLst>
               <a:ext uri="{28A0092B-C50C-407E-A947-70E740481C1C}">
-                <a14:useLocalDpi xmlns:a14="http://schemas.microsoft.com/office/drawing/2010/main" xmlns="" val="0"/>
+                <a14:useLocalDpi xmlns:a14="http://schemas.microsoft.com/office/drawing/2010/main" val="0"/>
               </a:ext>
             </a:extLst>
           </a:blip>
@@ -9054,7 +8593,7 @@
           <a:noFill/>
           <a:extLst>
             <a:ext uri="{909E8E84-426E-40dd-AFC4-6F175D3DCCD1}">
-              <a14:hiddenFill xmlns:a14="http://schemas.microsoft.com/office/drawing/2010/main" xmlns="">
+              <a14:hiddenFill xmlns:a14="http://schemas.microsoft.com/office/drawing/2010/main">
                 <a:solidFill>
                   <a:srgbClr val="FFFFFF"/>
                 </a:solidFill>
@@ -9233,11 +8772,11 @@
   <p:clrMapOvr>
     <a:masterClrMapping/>
   </p:clrMapOvr>
-  <p:transition/>
+  <p:transition xmlns:p14="http://schemas.microsoft.com/office/powerpoint/2010/main"/>
   <p:timing>
     <p:tnLst>
       <p:par>
-        <p:cTn id="1" dur="indefinite" restart="never" nodeType="tmRoot"/>
+        <p:cTn xmlns:p14="http://schemas.microsoft.com/office/powerpoint/2010/main" id="1" dur="indefinite" restart="never" nodeType="tmRoot"/>
       </p:par>
     </p:tnLst>
   </p:timing>
@@ -9245,833 +8784,6 @@
 </file>
 
 <file path=ppt/slides/slide13.xml><?xml version="1.0" encoding="utf-8"?>
-<p:sld xmlns:a="http://schemas.openxmlformats.org/drawingml/2006/main" xmlns:r="http://schemas.openxmlformats.org/officeDocument/2006/relationships" xmlns:p="http://schemas.openxmlformats.org/presentationml/2006/main">
-  <p:cSld>
-    <p:spTree>
-      <p:nvGrpSpPr>
-        <p:cNvPr id="1" name=""/>
-        <p:cNvGrpSpPr/>
-        <p:nvPr/>
-      </p:nvGrpSpPr>
-      <p:grpSpPr>
-        <a:xfrm>
-          <a:off x="0" y="0"/>
-          <a:ext cx="0" cy="0"/>
-          <a:chOff x="0" y="0"/>
-          <a:chExt cx="0" cy="0"/>
-        </a:xfrm>
-      </p:grpSpPr>
-      <p:sp>
-        <p:nvSpPr>
-          <p:cNvPr id="2" name="Title 1"/>
-          <p:cNvSpPr>
-            <a:spLocks noGrp="1"/>
-          </p:cNvSpPr>
-          <p:nvPr>
-            <p:ph type="title"/>
-          </p:nvPr>
-        </p:nvSpPr>
-        <p:spPr/>
-        <p:txBody>
-          <a:bodyPr/>
-          <a:lstStyle/>
-          <a:p>
-            <a:r>
-              <a:rPr lang="en-US" dirty="0" smtClean="0"/>
-              <a:t>Introduce standards</a:t>
-            </a:r>
-            <a:endParaRPr lang="en-US" dirty="0"/>
-          </a:p>
-        </p:txBody>
-      </p:sp>
-      <p:sp>
-        <p:nvSpPr>
-          <p:cNvPr id="3" name="Content Placeholder 2"/>
-          <p:cNvSpPr>
-            <a:spLocks noGrp="1"/>
-          </p:cNvSpPr>
-          <p:nvPr>
-            <p:ph idx="1"/>
-          </p:nvPr>
-        </p:nvSpPr>
-        <p:spPr/>
-        <p:txBody>
-          <a:bodyPr/>
-          <a:lstStyle/>
-          <a:p>
-            <a:r>
-              <a:rPr lang="en-US" dirty="0" smtClean="0"/>
-              <a:t>Idea of standardized set of elements</a:t>
-            </a:r>
-          </a:p>
-          <a:p>
-            <a:r>
-              <a:rPr lang="en-US" dirty="0" smtClean="0"/>
-              <a:t>Dublin Core (a little history)</a:t>
-            </a:r>
-            <a:endParaRPr lang="en-US" dirty="0"/>
-          </a:p>
-        </p:txBody>
-      </p:sp>
-    </p:spTree>
-  </p:cSld>
-  <p:clrMapOvr>
-    <a:masterClrMapping/>
-  </p:clrMapOvr>
-  <p:timing>
-    <p:tnLst>
-      <p:par>
-        <p:cTn id="1" dur="indefinite" restart="never" nodeType="tmRoot"/>
-      </p:par>
-    </p:tnLst>
-  </p:timing>
-</p:sld>
-</file>
-
-<file path=ppt/slides/slide14.xml><?xml version="1.0" encoding="utf-8"?>
-<p:sld xmlns:a="http://schemas.openxmlformats.org/drawingml/2006/main" xmlns:r="http://schemas.openxmlformats.org/officeDocument/2006/relationships" xmlns:p="http://schemas.openxmlformats.org/presentationml/2006/main">
-  <p:cSld>
-    <p:spTree>
-      <p:nvGrpSpPr>
-        <p:cNvPr id="1" name=""/>
-        <p:cNvGrpSpPr/>
-        <p:nvPr/>
-      </p:nvGrpSpPr>
-      <p:grpSpPr>
-        <a:xfrm>
-          <a:off x="0" y="0"/>
-          <a:ext cx="0" cy="0"/>
-          <a:chOff x="0" y="0"/>
-          <a:chExt cx="0" cy="0"/>
-        </a:xfrm>
-      </p:grpSpPr>
-      <p:sp>
-        <p:nvSpPr>
-          <p:cNvPr id="13315" name="Content Placeholder 2"/>
-          <p:cNvSpPr>
-            <a:spLocks noGrp="1"/>
-          </p:cNvSpPr>
-          <p:nvPr>
-            <p:ph idx="1"/>
-          </p:nvPr>
-        </p:nvSpPr>
-        <p:spPr>
-          <a:xfrm>
-            <a:off x="798788" y="1190284"/>
-            <a:ext cx="10657489" cy="4737551"/>
-          </a:xfrm>
-        </p:spPr>
-        <p:txBody>
-          <a:bodyPr>
-            <a:noAutofit/>
-          </a:bodyPr>
-          <a:lstStyle/>
-          <a:p>
-            <a:r>
-              <a:rPr lang="en-US" dirty="0" smtClean="0">
-                <a:ea typeface="ＭＳ Ｐゴシック" pitchFamily="34" charset="-128"/>
-              </a:rPr>
-              <a:t>Metadata is all around…</a:t>
-            </a:r>
-          </a:p>
-          <a:p>
-            <a:pPr>
-              <a:buClr>
-                <a:srgbClr val="177F8A"/>
-              </a:buClr>
-              <a:buSzPct val="100000"/>
-              <a:buNone/>
-            </a:pPr>
-            <a:endParaRPr lang="en-US" sz="2400" dirty="0" smtClean="0">
-              <a:ea typeface="ＭＳ Ｐゴシック" pitchFamily="34" charset="-128"/>
-            </a:endParaRPr>
-          </a:p>
-          <a:p>
-            <a:pPr>
-              <a:buFont typeface="Arial" pitchFamily="34" charset="0"/>
-              <a:buChar char="•"/>
-            </a:pPr>
-            <a:endParaRPr lang="en-US" sz="2400" dirty="0" smtClean="0">
-              <a:ea typeface="ＭＳ Ｐゴシック" pitchFamily="34" charset="-128"/>
-            </a:endParaRPr>
-          </a:p>
-        </p:txBody>
-      </p:sp>
-      <p:sp>
-        <p:nvSpPr>
-          <p:cNvPr id="13314" name="Title 1"/>
-          <p:cNvSpPr>
-            <a:spLocks noGrp="1"/>
-          </p:cNvSpPr>
-          <p:nvPr>
-            <p:ph type="title"/>
-          </p:nvPr>
-        </p:nvSpPr>
-        <p:spPr>
-          <a:xfrm>
-            <a:off x="0" y="489266"/>
-            <a:ext cx="12192000" cy="701018"/>
-          </a:xfrm>
-        </p:spPr>
-        <p:txBody>
-          <a:bodyPr>
-            <a:normAutofit/>
-          </a:bodyPr>
-          <a:lstStyle/>
-          <a:p>
-            <a:r>
-              <a:rPr lang="en-US" dirty="0" smtClean="0">
-                <a:ea typeface="ＭＳ Ｐゴシック" pitchFamily="34" charset="-128"/>
-              </a:rPr>
-              <a:t>Metadata in Real Life</a:t>
-            </a:r>
-          </a:p>
-        </p:txBody>
-      </p:sp>
-      <p:sp>
-        <p:nvSpPr>
-          <p:cNvPr id="5" name="Text Box 7"/>
-          <p:cNvSpPr txBox="1">
-            <a:spLocks noChangeArrowheads="1"/>
-          </p:cNvSpPr>
-          <p:nvPr/>
-        </p:nvSpPr>
-        <p:spPr bwMode="auto">
-          <a:xfrm>
-            <a:off x="874183" y="4364181"/>
-            <a:ext cx="6908800" cy="1831975"/>
-          </a:xfrm>
-          <a:prstGeom prst="rect">
-            <a:avLst/>
-          </a:prstGeom>
-          <a:solidFill>
-            <a:schemeClr val="bg1"/>
-          </a:solidFill>
-          <a:ln w="28575">
-            <a:solidFill>
-              <a:srgbClr val="000099"/>
-            </a:solidFill>
-            <a:miter lim="800000"/>
-            <a:headEnd/>
-            <a:tailEnd/>
-          </a:ln>
-          <a:effectLst>
-            <a:outerShdw dist="35921" dir="2700000" algn="ctr" rotWithShape="0">
-              <a:schemeClr val="tx1"/>
-            </a:outerShdw>
-          </a:effectLst>
-        </p:spPr>
-        <p:txBody>
-          <a:bodyPr>
-            <a:spAutoFit/>
-          </a:bodyPr>
-          <a:lstStyle/>
-          <a:p>
-            <a:pPr eaLnBrk="0" hangingPunct="0">
-              <a:defRPr/>
-            </a:pPr>
-            <a:r>
-              <a:rPr lang="en-US" sz="1600" b="1" dirty="0">
-                <a:ea typeface="ＭＳ Ｐゴシック" charset="-128"/>
-                <a:cs typeface="ＭＳ Ｐゴシック" charset="-128"/>
-              </a:rPr>
-              <a:t>          Author(s)</a:t>
-            </a:r>
-            <a:r>
-              <a:rPr lang="en-US" sz="1600" dirty="0">
-                <a:ea typeface="ＭＳ Ｐゴシック" charset="-128"/>
-                <a:cs typeface="ＭＳ Ｐゴシック" charset="-128"/>
-              </a:rPr>
-              <a:t>   Boullosa, Carmen. </a:t>
-            </a:r>
-          </a:p>
-          <a:p>
-            <a:pPr eaLnBrk="0" hangingPunct="0">
-              <a:defRPr/>
-            </a:pPr>
-            <a:r>
-              <a:rPr lang="en-US" sz="1600" b="1" dirty="0">
-                <a:ea typeface="ＭＳ Ｐゴシック" charset="-128"/>
-                <a:cs typeface="ＭＳ Ｐゴシック" charset="-128"/>
-              </a:rPr>
-              <a:t>              Title(s)</a:t>
-            </a:r>
-            <a:r>
-              <a:rPr lang="en-US" sz="1600" dirty="0">
-                <a:ea typeface="ＭＳ Ｐゴシック" charset="-128"/>
-                <a:cs typeface="ＭＳ Ｐゴシック" charset="-128"/>
-              </a:rPr>
-              <a:t>   They're cows, we're pigs / </a:t>
-            </a:r>
-          </a:p>
-          <a:p>
-            <a:pPr eaLnBrk="0" hangingPunct="0">
-              <a:defRPr/>
-            </a:pPr>
-            <a:r>
-              <a:rPr lang="en-US" sz="1600" dirty="0">
-                <a:ea typeface="ＭＳ Ｐゴシック" charset="-128"/>
-                <a:cs typeface="ＭＳ Ｐゴシック" charset="-128"/>
-              </a:rPr>
-              <a:t>                             by Carmen Boullosa </a:t>
-            </a:r>
-          </a:p>
-          <a:p>
-            <a:pPr eaLnBrk="0" hangingPunct="0">
-              <a:defRPr/>
-            </a:pPr>
-            <a:r>
-              <a:rPr lang="en-US" sz="1600" dirty="0">
-                <a:ea typeface="ＭＳ Ｐゴシック" charset="-128"/>
-                <a:cs typeface="ＭＳ Ｐゴシック" charset="-128"/>
-              </a:rPr>
-              <a:t>                </a:t>
-            </a:r>
-            <a:r>
-              <a:rPr lang="en-US" sz="1600" b="1" dirty="0">
-                <a:ea typeface="ＭＳ Ｐゴシック" charset="-128"/>
-                <a:cs typeface="ＭＳ Ｐゴシック" charset="-128"/>
-              </a:rPr>
-              <a:t>Place</a:t>
-            </a:r>
-            <a:r>
-              <a:rPr lang="en-US" sz="1600" dirty="0">
-                <a:ea typeface="ＭＳ Ｐゴシック" charset="-128"/>
-                <a:cs typeface="ＭＳ Ｐゴシック" charset="-128"/>
-              </a:rPr>
-              <a:t>    New York : Grove Press, 1997. </a:t>
-            </a:r>
-          </a:p>
-          <a:p>
-            <a:pPr eaLnBrk="0" hangingPunct="0">
-              <a:defRPr/>
-            </a:pPr>
-            <a:r>
-              <a:rPr lang="en-US" sz="1600" dirty="0">
-                <a:ea typeface="ＭＳ Ｐゴシック" charset="-128"/>
-                <a:cs typeface="ＭＳ Ｐゴシック" charset="-128"/>
-              </a:rPr>
-              <a:t> </a:t>
-            </a:r>
-            <a:r>
-              <a:rPr lang="en-US" sz="1600" b="1" dirty="0">
-                <a:ea typeface="ＭＳ Ｐゴシック" charset="-128"/>
-                <a:cs typeface="ＭＳ Ｐゴシック" charset="-128"/>
-              </a:rPr>
-              <a:t>Physical Descr</a:t>
-            </a:r>
-            <a:r>
-              <a:rPr lang="en-US" sz="1600" dirty="0">
-                <a:ea typeface="ＭＳ Ｐゴシック" charset="-128"/>
-                <a:cs typeface="ＭＳ Ｐゴシック" charset="-128"/>
-              </a:rPr>
-              <a:t>   viii, 180 p ; 22 cm. </a:t>
-            </a:r>
-          </a:p>
-          <a:p>
-            <a:pPr eaLnBrk="0" hangingPunct="0">
-              <a:defRPr/>
-            </a:pPr>
-            <a:r>
-              <a:rPr lang="en-US" sz="1600" dirty="0">
-                <a:ea typeface="ＭＳ Ｐゴシック" charset="-128"/>
-                <a:cs typeface="ＭＳ Ｐゴシック" charset="-128"/>
-              </a:rPr>
-              <a:t>         </a:t>
-            </a:r>
-            <a:r>
-              <a:rPr lang="en-US" sz="1600" b="1" dirty="0">
-                <a:ea typeface="ＭＳ Ｐゴシック" charset="-128"/>
-                <a:cs typeface="ＭＳ Ｐゴシック" charset="-128"/>
-              </a:rPr>
-              <a:t>Subject(s)</a:t>
-            </a:r>
-            <a:r>
-              <a:rPr lang="en-US" sz="1600" dirty="0">
-                <a:ea typeface="ＭＳ Ｐゴシック" charset="-128"/>
-                <a:cs typeface="ＭＳ Ｐゴシック" charset="-128"/>
-              </a:rPr>
-              <a:t>   Pirates Caribbean Area Fiction. </a:t>
-            </a:r>
-          </a:p>
-          <a:p>
-            <a:pPr eaLnBrk="0" hangingPunct="0">
-              <a:defRPr/>
-            </a:pPr>
-            <a:r>
-              <a:rPr lang="en-US" sz="1600" b="1" dirty="0">
-                <a:ea typeface="ＭＳ Ｐゴシック" charset="-128"/>
-                <a:cs typeface="ＭＳ Ｐゴシック" charset="-128"/>
-              </a:rPr>
-              <a:t>             Format</a:t>
-            </a:r>
-            <a:r>
-              <a:rPr lang="en-US" sz="1600" dirty="0">
-                <a:ea typeface="ＭＳ Ｐゴシック" charset="-128"/>
-                <a:cs typeface="ＭＳ Ｐゴシック" charset="-128"/>
-              </a:rPr>
-              <a:t>    Fiction </a:t>
-            </a:r>
-          </a:p>
-        </p:txBody>
-      </p:sp>
-      <p:pic>
-        <p:nvPicPr>
-          <p:cNvPr id="1027" name="Picture 3" descr="C:\Users\Quercus2\Desktop\USDAgov.jpg"/>
-          <p:cNvPicPr>
-            <a:picLocks noChangeAspect="1" noChangeArrowheads="1"/>
-          </p:cNvPicPr>
-          <p:nvPr/>
-        </p:nvPicPr>
-        <p:blipFill>
-          <a:blip r:embed="rId3" cstate="print"/>
-          <a:srcRect/>
-          <a:stretch>
-            <a:fillRect/>
-          </a:stretch>
-        </p:blipFill>
-        <p:spPr bwMode="auto">
-          <a:xfrm>
-            <a:off x="8192955" y="1626190"/>
-            <a:ext cx="2994359" cy="3466072"/>
-          </a:xfrm>
-          <a:prstGeom prst="rect">
-            <a:avLst/>
-          </a:prstGeom>
-          <a:noFill/>
-        </p:spPr>
-      </p:pic>
-      <p:sp>
-        <p:nvSpPr>
-          <p:cNvPr id="9" name="TextBox 8"/>
-          <p:cNvSpPr txBox="1"/>
-          <p:nvPr/>
-        </p:nvSpPr>
-        <p:spPr>
-          <a:xfrm rot="16200000">
-            <a:off x="9926950" y="3686420"/>
-            <a:ext cx="2676102" cy="230832"/>
-          </a:xfrm>
-          <a:prstGeom prst="rect">
-            <a:avLst/>
-          </a:prstGeom>
-          <a:noFill/>
-        </p:spPr>
-        <p:txBody>
-          <a:bodyPr wrap="square" rtlCol="0">
-            <a:spAutoFit/>
-          </a:bodyPr>
-          <a:lstStyle/>
-          <a:p>
-            <a:r>
-              <a:rPr lang="en-US" sz="900" dirty="0" smtClean="0">
-                <a:solidFill>
-                  <a:schemeClr val="bg1">
-                    <a:lumMod val="75000"/>
-                  </a:schemeClr>
-                </a:solidFill>
-              </a:rPr>
-              <a:t>CC image by </a:t>
-            </a:r>
-            <a:r>
-              <a:rPr lang="en-US" sz="900" dirty="0" err="1" smtClean="0">
-                <a:solidFill>
-                  <a:schemeClr val="bg1">
-                    <a:lumMod val="75000"/>
-                  </a:schemeClr>
-                </a:solidFill>
-              </a:rPr>
-              <a:t>USDAgov</a:t>
-            </a:r>
-            <a:r>
-              <a:rPr lang="en-US" sz="900" dirty="0" smtClean="0">
-                <a:solidFill>
-                  <a:schemeClr val="bg1">
-                    <a:lumMod val="75000"/>
-                  </a:schemeClr>
-                </a:solidFill>
-              </a:rPr>
-              <a:t> on </a:t>
-            </a:r>
-            <a:r>
-              <a:rPr lang="en-US" sz="900" dirty="0" err="1" smtClean="0">
-                <a:solidFill>
-                  <a:schemeClr val="bg1">
-                    <a:lumMod val="75000"/>
-                  </a:schemeClr>
-                </a:solidFill>
-              </a:rPr>
-              <a:t>Flickr</a:t>
-            </a:r>
-            <a:endParaRPr lang="en-US" sz="900" dirty="0">
-              <a:solidFill>
-                <a:schemeClr val="bg1">
-                  <a:lumMod val="75000"/>
-                </a:schemeClr>
-              </a:solidFill>
-            </a:endParaRPr>
-          </a:p>
-        </p:txBody>
-      </p:sp>
-      <p:sp>
-        <p:nvSpPr>
-          <p:cNvPr id="10" name="TextBox 9"/>
-          <p:cNvSpPr txBox="1"/>
-          <p:nvPr/>
-        </p:nvSpPr>
-        <p:spPr>
-          <a:xfrm rot="16200000">
-            <a:off x="5281965" y="2757953"/>
-            <a:ext cx="2676102" cy="230832"/>
-          </a:xfrm>
-          <a:prstGeom prst="rect">
-            <a:avLst/>
-          </a:prstGeom>
-          <a:noFill/>
-        </p:spPr>
-        <p:txBody>
-          <a:bodyPr wrap="square" rtlCol="0">
-            <a:spAutoFit/>
-          </a:bodyPr>
-          <a:lstStyle/>
-          <a:p>
-            <a:r>
-              <a:rPr lang="en-US" sz="900" dirty="0" smtClean="0">
-                <a:solidFill>
-                  <a:schemeClr val="bg1">
-                    <a:lumMod val="75000"/>
-                  </a:schemeClr>
-                </a:solidFill>
-              </a:rPr>
-              <a:t>CC image by </a:t>
-            </a:r>
-            <a:r>
-              <a:rPr lang="en-US" sz="900" dirty="0" err="1" smtClean="0">
-                <a:solidFill>
-                  <a:schemeClr val="bg1">
-                    <a:lumMod val="75000"/>
-                  </a:schemeClr>
-                </a:solidFill>
-              </a:rPr>
-              <a:t>Mskadu</a:t>
-            </a:r>
-            <a:r>
-              <a:rPr lang="en-US" sz="900" dirty="0" smtClean="0">
-                <a:solidFill>
-                  <a:schemeClr val="bg1">
-                    <a:lumMod val="75000"/>
-                  </a:schemeClr>
-                </a:solidFill>
-              </a:rPr>
-              <a:t> on </a:t>
-            </a:r>
-            <a:r>
-              <a:rPr lang="en-US" sz="900" dirty="0" err="1" smtClean="0">
-                <a:solidFill>
-                  <a:schemeClr val="bg1">
-                    <a:lumMod val="75000"/>
-                  </a:schemeClr>
-                </a:solidFill>
-              </a:rPr>
-              <a:t>Flickr</a:t>
-            </a:r>
-            <a:endParaRPr lang="en-US" sz="900" dirty="0">
-              <a:solidFill>
-                <a:schemeClr val="bg1">
-                  <a:lumMod val="75000"/>
-                </a:schemeClr>
-              </a:solidFill>
-            </a:endParaRPr>
-          </a:p>
-        </p:txBody>
-      </p:sp>
-      <p:pic>
-        <p:nvPicPr>
-          <p:cNvPr id="1028" name="Picture 4" descr="C:\Users\Quercus2\Desktop\Mskadu.jpg"/>
-          <p:cNvPicPr>
-            <a:picLocks noChangeAspect="1" noChangeArrowheads="1"/>
-          </p:cNvPicPr>
-          <p:nvPr/>
-        </p:nvPicPr>
-        <p:blipFill>
-          <a:blip r:embed="rId4" cstate="print"/>
-          <a:srcRect/>
-          <a:stretch>
-            <a:fillRect/>
-          </a:stretch>
-        </p:blipFill>
-        <p:spPr bwMode="auto">
-          <a:xfrm>
-            <a:off x="2025800" y="1767853"/>
-            <a:ext cx="4491129" cy="2357843"/>
-          </a:xfrm>
-          <a:prstGeom prst="rect">
-            <a:avLst/>
-          </a:prstGeom>
-          <a:noFill/>
-        </p:spPr>
-      </p:pic>
-      <p:sp>
-        <p:nvSpPr>
-          <p:cNvPr id="11" name="Rectangle 10"/>
-          <p:cNvSpPr/>
-          <p:nvPr/>
-        </p:nvSpPr>
-        <p:spPr>
-          <a:xfrm>
-            <a:off x="1" y="6424863"/>
-            <a:ext cx="12192000" cy="307777"/>
-          </a:xfrm>
-          <a:prstGeom prst="rect">
-            <a:avLst/>
-          </a:prstGeom>
-        </p:spPr>
-        <p:txBody>
-          <a:bodyPr wrap="square">
-            <a:spAutoFit/>
-          </a:bodyPr>
-          <a:lstStyle/>
-          <a:p>
-            <a:pPr algn="ctr"/>
-            <a:r>
-              <a:rPr lang="it-IT" sz="1400" dirty="0" err="1" smtClean="0">
-                <a:solidFill>
-                  <a:schemeClr val="tx1">
-                    <a:lumMod val="65000"/>
-                    <a:lumOff val="35000"/>
-                  </a:schemeClr>
-                </a:solidFill>
-              </a:rPr>
-              <a:t>DataONE</a:t>
-            </a:r>
-            <a:r>
-              <a:rPr lang="it-IT" sz="1400" dirty="0" smtClean="0">
-                <a:solidFill>
-                  <a:schemeClr val="tx1">
-                    <a:lumMod val="65000"/>
-                    <a:lumOff val="35000"/>
-                  </a:schemeClr>
-                </a:solidFill>
-              </a:rPr>
-              <a:t> </a:t>
-            </a:r>
-            <a:r>
-              <a:rPr lang="it-IT" sz="1400" dirty="0" err="1" smtClean="0">
-                <a:solidFill>
-                  <a:schemeClr val="tx1">
-                    <a:lumMod val="65000"/>
-                    <a:lumOff val="35000"/>
-                  </a:schemeClr>
-                </a:solidFill>
-              </a:rPr>
-              <a:t>Education</a:t>
-            </a:r>
-            <a:r>
-              <a:rPr lang="it-IT" sz="1400" dirty="0" smtClean="0">
-                <a:solidFill>
-                  <a:schemeClr val="tx1">
-                    <a:lumMod val="65000"/>
-                    <a:lumOff val="35000"/>
-                  </a:schemeClr>
-                </a:solidFill>
-              </a:rPr>
-              <a:t> </a:t>
-            </a:r>
-            <a:r>
-              <a:rPr lang="it-IT" sz="1400" dirty="0" err="1" smtClean="0">
-                <a:solidFill>
-                  <a:schemeClr val="tx1">
-                    <a:lumMod val="65000"/>
-                    <a:lumOff val="35000"/>
-                  </a:schemeClr>
-                </a:solidFill>
-              </a:rPr>
-              <a:t>Module</a:t>
-            </a:r>
-            <a:r>
-              <a:rPr lang="it-IT" sz="1400" dirty="0" smtClean="0">
-                <a:solidFill>
-                  <a:schemeClr val="tx1">
-                    <a:lumMod val="65000"/>
-                    <a:lumOff val="35000"/>
-                  </a:schemeClr>
-                </a:solidFill>
-              </a:rPr>
-              <a:t>: </a:t>
-            </a:r>
-            <a:r>
-              <a:rPr lang="it-IT" sz="1400" dirty="0" err="1" smtClean="0">
-                <a:solidFill>
-                  <a:schemeClr val="tx1">
-                    <a:lumMod val="65000"/>
-                    <a:lumOff val="35000"/>
-                  </a:schemeClr>
-                </a:solidFill>
-              </a:rPr>
-              <a:t>Lesson</a:t>
-            </a:r>
-            <a:r>
-              <a:rPr lang="it-IT" sz="1400" dirty="0" smtClean="0">
-                <a:solidFill>
-                  <a:schemeClr val="tx1">
-                    <a:lumMod val="65000"/>
-                    <a:lumOff val="35000"/>
-                  </a:schemeClr>
-                </a:solidFill>
-              </a:rPr>
-              <a:t> 07: </a:t>
-            </a:r>
-            <a:r>
-              <a:rPr lang="it-IT" sz="1400" dirty="0" err="1" smtClean="0">
-                <a:solidFill>
-                  <a:schemeClr val="tx1">
-                    <a:lumMod val="65000"/>
-                    <a:lumOff val="35000"/>
-                  </a:schemeClr>
-                </a:solidFill>
-              </a:rPr>
-              <a:t>Metadata</a:t>
-            </a:r>
-            <a:r>
-              <a:rPr lang="it-IT" sz="1400" dirty="0" smtClean="0">
-                <a:solidFill>
-                  <a:schemeClr val="tx1">
-                    <a:lumMod val="65000"/>
-                    <a:lumOff val="35000"/>
-                  </a:schemeClr>
-                </a:solidFill>
-              </a:rPr>
-              <a:t>. </a:t>
-            </a:r>
-            <a:r>
-              <a:rPr lang="it-IT" sz="1400" dirty="0" err="1" smtClean="0">
-                <a:solidFill>
-                  <a:schemeClr val="tx1">
-                    <a:lumMod val="65000"/>
-                    <a:lumOff val="35000"/>
-                  </a:schemeClr>
-                </a:solidFill>
-              </a:rPr>
-              <a:t>DataONE</a:t>
-            </a:r>
-            <a:r>
-              <a:rPr lang="it-IT" sz="1400" dirty="0" smtClean="0">
-                <a:solidFill>
-                  <a:schemeClr val="tx1">
-                    <a:lumMod val="65000"/>
-                    <a:lumOff val="35000"/>
-                  </a:schemeClr>
-                </a:solidFill>
-              </a:rPr>
-              <a:t>. https://www.dataone.org/sites/all/documents/L07_Metadata.pptx</a:t>
-            </a:r>
-            <a:endParaRPr lang="en-US" sz="1400" dirty="0">
-              <a:solidFill>
-                <a:schemeClr val="tx1">
-                  <a:lumMod val="65000"/>
-                  <a:lumOff val="35000"/>
-                </a:schemeClr>
-              </a:solidFill>
-            </a:endParaRPr>
-          </a:p>
-        </p:txBody>
-      </p:sp>
-    </p:spTree>
-  </p:cSld>
-  <p:clrMapOvr>
-    <a:masterClrMapping/>
-  </p:clrMapOvr>
-  <p:transition/>
-  <p:timing>
-    <p:tnLst>
-      <p:par>
-        <p:cTn id="1" dur="indefinite" restart="never" nodeType="tmRoot">
-          <p:childTnLst>
-            <p:seq concurrent="1" nextAc="seek">
-              <p:cTn id="2" dur="indefinite" nodeType="mainSeq">
-                <p:childTnLst>
-                  <p:par>
-                    <p:cTn id="3" fill="hold">
-                      <p:stCondLst>
-                        <p:cond delay="indefinite"/>
-                      </p:stCondLst>
-                      <p:childTnLst>
-                        <p:par>
-                          <p:cTn id="4" fill="hold">
-                            <p:stCondLst>
-                              <p:cond delay="0"/>
-                            </p:stCondLst>
-                            <p:childTnLst>
-                              <p:par>
-                                <p:cTn id="5" presetID="3" presetClass="entr" presetSubtype="10" fill="hold" grpId="0" nodeType="clickEffect">
-                                  <p:stCondLst>
-                                    <p:cond delay="0"/>
-                                  </p:stCondLst>
-                                  <p:childTnLst>
-                                    <p:set>
-                                      <p:cBhvr>
-                                        <p:cTn id="6" dur="1" fill="hold">
-                                          <p:stCondLst>
-                                            <p:cond delay="0"/>
-                                          </p:stCondLst>
-                                        </p:cTn>
-                                        <p:tgtEl>
-                                          <p:spTgt spid="5"/>
-                                        </p:tgtEl>
-                                        <p:attrNameLst>
-                                          <p:attrName>style.visibility</p:attrName>
-                                        </p:attrNameLst>
-                                      </p:cBhvr>
-                                      <p:to>
-                                        <p:strVal val="visible"/>
-                                      </p:to>
-                                    </p:set>
-                                    <p:animEffect transition="in" filter="blinds(horizontal)">
-                                      <p:cBhvr>
-                                        <p:cTn id="7" dur="500"/>
-                                        <p:tgtEl>
-                                          <p:spTgt spid="5"/>
-                                        </p:tgtEl>
-                                      </p:cBhvr>
-                                    </p:animEffect>
-                                  </p:childTnLst>
-                                </p:cTn>
-                              </p:par>
-                            </p:childTnLst>
-                          </p:cTn>
-                        </p:par>
-                      </p:childTnLst>
-                    </p:cTn>
-                  </p:par>
-                </p:childTnLst>
-              </p:cTn>
-              <p:prevCondLst>
-                <p:cond evt="onPrev" delay="0">
-                  <p:tgtEl>
-                    <p:sldTgt/>
-                  </p:tgtEl>
-                </p:cond>
-              </p:prevCondLst>
-              <p:nextCondLst>
-                <p:cond evt="onNext" delay="0">
-                  <p:tgtEl>
-                    <p:sldTgt/>
-                  </p:tgtEl>
-                </p:cond>
-              </p:nextCondLst>
-            </p:seq>
-          </p:childTnLst>
-        </p:cTn>
-      </p:par>
-    </p:tnLst>
-    <p:bldLst>
-      <p:bldP spid="5" grpId="0" animBg="1"/>
-    </p:bldLst>
-  </p:timing>
-</p:sld>
-</file>
-
-<file path=ppt/slides/slide15.xml><?xml version="1.0" encoding="utf-8"?>
 <p:sld xmlns:a="http://schemas.openxmlformats.org/drawingml/2006/main" xmlns:r="http://schemas.openxmlformats.org/officeDocument/2006/relationships" xmlns:p="http://schemas.openxmlformats.org/presentationml/2006/main">
   <p:cSld>
     <p:spTree>
@@ -10111,18 +8823,33 @@
           <a:lstStyle/>
           <a:p>
             <a:r>
-              <a:rPr lang="en-US" dirty="0" smtClean="0"/>
-              <a:t>Metadata that you know</a:t>
+              <a:rPr lang="en-US" sz="2400" b="0" dirty="0" smtClean="0"/>
+              <a:t>Metadata that </a:t>
+            </a:r>
+            <a:r>
+              <a:rPr lang="en-US" sz="2400" b="0" dirty="0" smtClean="0"/>
+              <a:t/>
             </a:r>
             <a:br>
-              <a:rPr lang="en-US" dirty="0" smtClean="0"/>
+              <a:rPr lang="en-US" sz="2400" b="0" dirty="0" smtClean="0"/>
             </a:br>
             <a:r>
-              <a:rPr lang="en-US" dirty="0" smtClean="0"/>
+              <a:rPr lang="en-US" sz="2400" b="0" dirty="0" smtClean="0"/>
+              <a:t>you know</a:t>
+            </a:r>
+            <a:br>
+              <a:rPr lang="en-US" sz="2400" b="0" dirty="0" smtClean="0"/>
+            </a:br>
+            <a:r>
+              <a:rPr lang="en-US" sz="2400" b="0" dirty="0" smtClean="0"/>
               <a:t>already</a:t>
             </a:r>
+            <a:r>
+              <a:rPr lang="en-US" sz="2400" dirty="0" smtClean="0"/>
+              <a:t/>
+            </a:r>
             <a:br>
-              <a:rPr lang="en-US" dirty="0" smtClean="0"/>
+              <a:rPr lang="en-US" sz="2400" dirty="0" smtClean="0"/>
             </a:br>
             <a:r>
               <a:rPr lang="en-US" dirty="0"/>
@@ -10173,7 +8900,7 @@
     </p:spTree>
     <p:extLst>
       <p:ext uri="{BB962C8B-B14F-4D97-AF65-F5344CB8AC3E}">
-        <p14:creationId xmlns="" xmlns:p14="http://schemas.microsoft.com/office/powerpoint/2010/main" val="4033251402"/>
+        <p14:creationId xmlns:p14="http://schemas.microsoft.com/office/powerpoint/2010/main" val="4033251402"/>
       </p:ext>
     </p:extLst>
   </p:cSld>
@@ -10183,14 +8910,14 @@
   <p:timing>
     <p:tnLst>
       <p:par>
-        <p:cTn id="1" dur="indefinite" restart="never" nodeType="tmRoot"/>
+        <p:cTn xmlns:p14="http://schemas.microsoft.com/office/powerpoint/2010/main" id="1" dur="indefinite" restart="never" nodeType="tmRoot"/>
       </p:par>
     </p:tnLst>
   </p:timing>
 </p:sld>
 </file>
 
-<file path=ppt/slides/slide16.xml><?xml version="1.0" encoding="utf-8"?>
+<file path=ppt/slides/slide14.xml><?xml version="1.0" encoding="utf-8"?>
 <p:sld xmlns:a="http://schemas.openxmlformats.org/drawingml/2006/main" xmlns:r="http://schemas.openxmlformats.org/officeDocument/2006/relationships" xmlns:p="http://schemas.openxmlformats.org/presentationml/2006/main">
   <p:cSld>
     <p:spTree>
@@ -10230,18 +8957,29 @@
           <a:lstStyle/>
           <a:p>
             <a:r>
-              <a:rPr lang="en-US" dirty="0" smtClean="0"/>
-              <a:t>Metadata that you know</a:t>
+              <a:rPr lang="en-US" sz="2400" b="0" dirty="0"/>
+              <a:t>Metadata that </a:t>
             </a:r>
             <a:br>
-              <a:rPr lang="en-US" dirty="0" smtClean="0"/>
+              <a:rPr lang="en-US" sz="2400" b="0" dirty="0"/>
             </a:br>
             <a:r>
-              <a:rPr lang="en-US" dirty="0" smtClean="0"/>
+              <a:rPr lang="en-US" sz="2400" b="0" dirty="0"/>
+              <a:t>you know</a:t>
+            </a:r>
+            <a:br>
+              <a:rPr lang="en-US" sz="2400" b="0" dirty="0"/>
+            </a:br>
+            <a:r>
+              <a:rPr lang="en-US" sz="2400" b="0" dirty="0"/>
               <a:t>already</a:t>
             </a:r>
+            <a:r>
+              <a:rPr lang="en-US" sz="2400" dirty="0" smtClean="0"/>
+              <a:t/>
+            </a:r>
             <a:br>
-              <a:rPr lang="en-US" dirty="0" smtClean="0"/>
+              <a:rPr lang="en-US" sz="2400" dirty="0" smtClean="0"/>
             </a:br>
             <a:r>
               <a:rPr lang="en-US" dirty="0"/>
@@ -10285,7 +9023,7 @@
     </p:spTree>
     <p:extLst>
       <p:ext uri="{BB962C8B-B14F-4D97-AF65-F5344CB8AC3E}">
-        <p14:creationId xmlns="" xmlns:p14="http://schemas.microsoft.com/office/powerpoint/2010/main" val="526217046"/>
+        <p14:creationId xmlns:p14="http://schemas.microsoft.com/office/powerpoint/2010/main" val="526217046"/>
       </p:ext>
     </p:extLst>
   </p:cSld>
@@ -10295,10 +9033,314 @@
   <p:timing>
     <p:tnLst>
       <p:par>
-        <p:cTn id="1" dur="indefinite" restart="never" nodeType="tmRoot"/>
+        <p:cTn xmlns:p14="http://schemas.microsoft.com/office/powerpoint/2010/main" id="1" dur="indefinite" restart="never" nodeType="tmRoot"/>
       </p:par>
     </p:tnLst>
   </p:timing>
+</p:sld>
+</file>
+
+<file path=ppt/slides/slide15.xml><?xml version="1.0" encoding="utf-8"?>
+<p:sld xmlns:a="http://schemas.openxmlformats.org/drawingml/2006/main" xmlns:r="http://schemas.openxmlformats.org/officeDocument/2006/relationships" xmlns:p="http://schemas.openxmlformats.org/presentationml/2006/main">
+  <p:cSld>
+    <p:spTree>
+      <p:nvGrpSpPr>
+        <p:cNvPr id="1" name=""/>
+        <p:cNvGrpSpPr/>
+        <p:nvPr/>
+      </p:nvGrpSpPr>
+      <p:grpSpPr>
+        <a:xfrm>
+          <a:off x="0" y="0"/>
+          <a:ext cx="0" cy="0"/>
+          <a:chOff x="0" y="0"/>
+          <a:chExt cx="0" cy="0"/>
+        </a:xfrm>
+      </p:grpSpPr>
+      <p:sp>
+        <p:nvSpPr>
+          <p:cNvPr id="2" name="Title 1"/>
+          <p:cNvSpPr>
+            <a:spLocks noGrp="1"/>
+          </p:cNvSpPr>
+          <p:nvPr>
+            <p:ph type="title"/>
+          </p:nvPr>
+        </p:nvSpPr>
+        <p:spPr/>
+        <p:txBody>
+          <a:bodyPr/>
+          <a:lstStyle/>
+          <a:p>
+            <a:r>
+              <a:rPr lang="en-US" dirty="0" smtClean="0"/>
+              <a:t>** pause **</a:t>
+            </a:r>
+            <a:endParaRPr lang="en-US" dirty="0"/>
+          </a:p>
+        </p:txBody>
+      </p:sp>
+      <p:sp>
+        <p:nvSpPr>
+          <p:cNvPr id="3" name="Content Placeholder 2"/>
+          <p:cNvSpPr>
+            <a:spLocks noGrp="1"/>
+          </p:cNvSpPr>
+          <p:nvPr>
+            <p:ph idx="1"/>
+          </p:nvPr>
+        </p:nvSpPr>
+        <p:spPr/>
+        <p:txBody>
+          <a:bodyPr/>
+          <a:lstStyle/>
+          <a:p>
+            <a:endParaRPr lang="en-US"/>
+          </a:p>
+        </p:txBody>
+      </p:sp>
+    </p:spTree>
+    <p:extLst>
+      <p:ext uri="{BB962C8B-B14F-4D97-AF65-F5344CB8AC3E}">
+        <p14:creationId xmlns:p14="http://schemas.microsoft.com/office/powerpoint/2010/main" val="3265223732"/>
+      </p:ext>
+    </p:extLst>
+  </p:cSld>
+  <p:clrMapOvr>
+    <a:masterClrMapping/>
+  </p:clrMapOvr>
+</p:sld>
+</file>
+
+<file path=ppt/slides/slide16.xml><?xml version="1.0" encoding="utf-8"?>
+<p:sld xmlns:a="http://schemas.openxmlformats.org/drawingml/2006/main" xmlns:r="http://schemas.openxmlformats.org/officeDocument/2006/relationships" xmlns:p="http://schemas.openxmlformats.org/presentationml/2006/main">
+  <p:cSld>
+    <p:spTree>
+      <p:nvGrpSpPr>
+        <p:cNvPr id="1" name=""/>
+        <p:cNvGrpSpPr/>
+        <p:nvPr/>
+      </p:nvGrpSpPr>
+      <p:grpSpPr>
+        <a:xfrm>
+          <a:off x="0" y="0"/>
+          <a:ext cx="0" cy="0"/>
+          <a:chOff x="0" y="0"/>
+          <a:chExt cx="0" cy="0"/>
+        </a:xfrm>
+      </p:grpSpPr>
+      <p:sp>
+        <p:nvSpPr>
+          <p:cNvPr id="2" name="Title 1"/>
+          <p:cNvSpPr>
+            <a:spLocks noGrp="1"/>
+          </p:cNvSpPr>
+          <p:nvPr>
+            <p:ph type="title"/>
+          </p:nvPr>
+        </p:nvSpPr>
+        <p:spPr/>
+        <p:txBody>
+          <a:bodyPr/>
+          <a:lstStyle/>
+          <a:p>
+            <a:r>
+              <a:rPr lang="en-US" dirty="0" smtClean="0"/>
+              <a:t>Describing Metadata</a:t>
+            </a:r>
+            <a:endParaRPr lang="en-US" dirty="0"/>
+          </a:p>
+        </p:txBody>
+      </p:sp>
+      <p:sp>
+        <p:nvSpPr>
+          <p:cNvPr id="3" name="Content Placeholder 2"/>
+          <p:cNvSpPr>
+            <a:spLocks noGrp="1"/>
+          </p:cNvSpPr>
+          <p:nvPr>
+            <p:ph idx="1"/>
+          </p:nvPr>
+        </p:nvSpPr>
+        <p:spPr>
+          <a:xfrm>
+            <a:off x="2540000" y="1666875"/>
+            <a:ext cx="8813799" cy="4510088"/>
+          </a:xfrm>
+        </p:spPr>
+        <p:txBody>
+          <a:bodyPr/>
+          <a:lstStyle/>
+          <a:p>
+            <a:pPr marL="0" indent="0">
+              <a:buNone/>
+            </a:pPr>
+            <a:r>
+              <a:rPr lang="en-US" dirty="0" smtClean="0"/>
+              <a:t>Descriptive</a:t>
+            </a:r>
+          </a:p>
+          <a:p>
+            <a:pPr lvl="1"/>
+            <a:r>
+              <a:rPr lang="en-US" dirty="0" smtClean="0"/>
+              <a:t>Project: Describe the overall project (author, date, place, etc.)</a:t>
+            </a:r>
+          </a:p>
+          <a:p>
+            <a:pPr lvl="1"/>
+            <a:r>
+              <a:rPr lang="en-US" dirty="0" smtClean="0"/>
+              <a:t>Technical: Describe individual project elements (tables, column headers</a:t>
+            </a:r>
+          </a:p>
+          <a:p>
+            <a:pPr lvl="1"/>
+            <a:endParaRPr lang="en-US" dirty="0" smtClean="0"/>
+          </a:p>
+          <a:p>
+            <a:pPr marL="0" indent="0">
+              <a:buNone/>
+            </a:pPr>
+            <a:r>
+              <a:rPr lang="en-US" dirty="0" smtClean="0"/>
+              <a:t>Structural</a:t>
+            </a:r>
+          </a:p>
+          <a:p>
+            <a:pPr lvl="1"/>
+            <a:r>
+              <a:rPr lang="en-US" dirty="0" smtClean="0"/>
+              <a:t>Describe how different elements of the data(set) fit together</a:t>
+            </a:r>
+          </a:p>
+          <a:p>
+            <a:pPr lvl="1"/>
+            <a:endParaRPr lang="en-US" dirty="0" smtClean="0"/>
+          </a:p>
+          <a:p>
+            <a:pPr marL="0" indent="0">
+              <a:buNone/>
+            </a:pPr>
+            <a:r>
+              <a:rPr lang="en-US" dirty="0" smtClean="0"/>
+              <a:t>Administrative</a:t>
+            </a:r>
+          </a:p>
+          <a:p>
+            <a:pPr lvl="1"/>
+            <a:r>
+              <a:rPr lang="en-US" dirty="0" smtClean="0"/>
+              <a:t>Rights management</a:t>
+            </a:r>
+          </a:p>
+          <a:p>
+            <a:pPr lvl="1"/>
+            <a:r>
+              <a:rPr lang="en-US" dirty="0" smtClean="0"/>
+              <a:t>Preservation</a:t>
+            </a:r>
+            <a:endParaRPr lang="en-US" dirty="0"/>
+          </a:p>
+        </p:txBody>
+      </p:sp>
+      <p:sp>
+        <p:nvSpPr>
+          <p:cNvPr id="4" name="Rectangle 3"/>
+          <p:cNvSpPr/>
+          <p:nvPr/>
+        </p:nvSpPr>
+        <p:spPr>
+          <a:xfrm>
+            <a:off x="1778000" y="6010960"/>
+            <a:ext cx="6715126" cy="523220"/>
+          </a:xfrm>
+          <a:prstGeom prst="rect">
+            <a:avLst/>
+          </a:prstGeom>
+        </p:spPr>
+        <p:txBody>
+          <a:bodyPr wrap="square">
+            <a:spAutoFit/>
+          </a:bodyPr>
+          <a:lstStyle/>
+          <a:p>
+            <a:r>
+              <a:rPr lang="en-US" sz="1400" dirty="0" smtClean="0">
+                <a:solidFill>
+                  <a:schemeClr val="tx1">
+                    <a:lumMod val="65000"/>
+                    <a:lumOff val="35000"/>
+                  </a:schemeClr>
+                </a:solidFill>
+              </a:rPr>
+              <a:t>National Information Standards Organization (NISO) (2004). Understanding Metadata. http</a:t>
+            </a:r>
+            <a:r>
+              <a:rPr lang="en-US" sz="1400" dirty="0">
+                <a:solidFill>
+                  <a:schemeClr val="tx1">
+                    <a:lumMod val="65000"/>
+                    <a:lumOff val="35000"/>
+                  </a:schemeClr>
+                </a:solidFill>
+              </a:rPr>
+              <a:t>://</a:t>
+            </a:r>
+            <a:r>
+              <a:rPr lang="en-US" sz="1400" dirty="0" err="1">
+                <a:solidFill>
+                  <a:schemeClr val="tx1">
+                    <a:lumMod val="65000"/>
+                    <a:lumOff val="35000"/>
+                  </a:schemeClr>
+                </a:solidFill>
+              </a:rPr>
+              <a:t>www.niso.org</a:t>
+            </a:r>
+            <a:r>
+              <a:rPr lang="en-US" sz="1400" dirty="0">
+                <a:solidFill>
+                  <a:schemeClr val="tx1">
+                    <a:lumMod val="65000"/>
+                    <a:lumOff val="35000"/>
+                  </a:schemeClr>
+                </a:solidFill>
+              </a:rPr>
+              <a:t>/publications/press/</a:t>
+            </a:r>
+            <a:r>
+              <a:rPr lang="en-US" sz="1400" dirty="0" err="1">
+                <a:solidFill>
+                  <a:schemeClr val="tx1">
+                    <a:lumMod val="65000"/>
+                    <a:lumOff val="35000"/>
+                  </a:schemeClr>
+                </a:solidFill>
+              </a:rPr>
+              <a:t>UnderstandingMetadata.pdf</a:t>
+            </a:r>
+            <a:endParaRPr lang="en-US" sz="1400" dirty="0">
+              <a:solidFill>
+                <a:schemeClr val="tx1">
+                  <a:lumMod val="65000"/>
+                  <a:lumOff val="35000"/>
+                </a:schemeClr>
+              </a:solidFill>
+            </a:endParaRPr>
+          </a:p>
+        </p:txBody>
+      </p:sp>
+    </p:spTree>
+    <p:extLst>
+      <p:ext uri="{BB962C8B-B14F-4D97-AF65-F5344CB8AC3E}">
+        <p14:creationId xmlns:p14="http://schemas.microsoft.com/office/powerpoint/2010/main" val="857129358"/>
+      </p:ext>
+    </p:extLst>
+  </p:cSld>
+  <p:clrMapOvr>
+    <a:masterClrMapping/>
+  </p:clrMapOvr>
 </p:sld>
 </file>
 
@@ -10587,7 +9629,7 @@
           <a:blip r:embed="rId5" cstate="print">
             <a:extLst>
               <a:ext uri="{BEBA8EAE-BF5A-486C-A8C5-ECC9F3942E4B}">
-                <a14:imgProps xmlns:a14="http://schemas.microsoft.com/office/drawing/2010/main" xmlns="">
+                <a14:imgProps xmlns:a14="http://schemas.microsoft.com/office/drawing/2010/main">
                   <a14:imgLayer r:embed="rId6">
                     <a14:imgEffect>
                       <a14:brightnessContrast bright="25000" contrast="-21000"/>
@@ -10855,11 +9897,11 @@
   <p:clrMapOvr>
     <a:masterClrMapping/>
   </p:clrMapOvr>
-  <p:transition/>
+  <p:transition xmlns:p14="http://schemas.microsoft.com/office/powerpoint/2010/main"/>
   <p:timing>
     <p:tnLst>
       <p:par>
-        <p:cTn id="1" dur="indefinite" restart="never" nodeType="tmRoot"/>
+        <p:cTn xmlns:p14="http://schemas.microsoft.com/office/powerpoint/2010/main" id="1" dur="indefinite" restart="never" nodeType="tmRoot"/>
       </p:par>
     </p:tnLst>
   </p:timing>
@@ -10900,15 +9942,7 @@
           <a:p>
             <a:r>
               <a:rPr lang="en-US" dirty="0" smtClean="0"/>
-              <a:t>GIS </a:t>
-            </a:r>
-            <a:r>
-              <a:rPr lang="en-US" dirty="0" err="1" smtClean="0"/>
-              <a:t>ArcCatalog</a:t>
-            </a:r>
-            <a:r>
-              <a:rPr lang="en-US" dirty="0" smtClean="0"/>
-              <a:t> Example</a:t>
+              <a:t>Standards and Schemas</a:t>
             </a:r>
             <a:endParaRPr lang="en-US" dirty="0"/>
           </a:p>
@@ -10929,7 +9963,161 @@
           <a:bodyPr/>
           <a:lstStyle/>
           <a:p>
-            <a:endParaRPr lang="en-US"/>
+            <a:pPr marL="0" indent="0">
+              <a:buNone/>
+            </a:pPr>
+            <a:r>
+              <a:rPr lang="en-US" dirty="0" smtClean="0"/>
+              <a:t>Idea of standardized set of </a:t>
+            </a:r>
+            <a:r>
+              <a:rPr lang="en-US" dirty="0" smtClean="0"/>
+              <a:t>elements</a:t>
+            </a:r>
+          </a:p>
+          <a:p>
+            <a:pPr lvl="1"/>
+            <a:r>
+              <a:rPr lang="en-US" dirty="0" smtClean="0"/>
+              <a:t>Minimal to maximal, depends on purpose, audience, domain, and structure</a:t>
+            </a:r>
+          </a:p>
+          <a:p>
+            <a:pPr lvl="1"/>
+            <a:endParaRPr lang="en-US" dirty="0" smtClean="0"/>
+          </a:p>
+          <a:p>
+            <a:pPr marL="0" indent="0">
+              <a:buNone/>
+            </a:pPr>
+            <a:r>
+              <a:rPr lang="en-US" dirty="0" smtClean="0"/>
+              <a:t>Dublin </a:t>
+            </a:r>
+            <a:r>
+              <a:rPr lang="en-US" dirty="0" smtClean="0"/>
+              <a:t>Core</a:t>
+            </a:r>
+          </a:p>
+          <a:p>
+            <a:pPr lvl="1"/>
+            <a:r>
+              <a:rPr lang="en-US" dirty="0" smtClean="0"/>
+              <a:t>One of the most common – not Dublin Ireland</a:t>
+            </a:r>
+          </a:p>
+          <a:p>
+            <a:pPr lvl="1"/>
+            <a:r>
+              <a:rPr lang="en-US" dirty="0" smtClean="0"/>
+              <a:t>Used as a starting point for many other schema</a:t>
+            </a:r>
+          </a:p>
+          <a:p>
+            <a:pPr lvl="1"/>
+            <a:endParaRPr lang="en-US" dirty="0"/>
+          </a:p>
+          <a:p>
+            <a:pPr marL="457200" lvl="1" indent="0">
+              <a:buNone/>
+            </a:pPr>
+            <a:r>
+              <a:rPr lang="en-US" i="1" dirty="0" smtClean="0"/>
+              <a:t>The </a:t>
+            </a:r>
+            <a:r>
+              <a:rPr lang="en-US" b="1" i="1" dirty="0"/>
+              <a:t>Dublin Core Metadata Element Set </a:t>
+            </a:r>
+            <a:r>
+              <a:rPr lang="en-US" i="1" dirty="0"/>
+              <a:t>is a vocabulary of </a:t>
+            </a:r>
+            <a:r>
+              <a:rPr lang="en-US" b="1" i="1" dirty="0"/>
+              <a:t>fifteen properties </a:t>
+            </a:r>
+            <a:r>
+              <a:rPr lang="en-US" i="1" dirty="0"/>
+              <a:t>for use in resource description. The name "Dublin" is due to its origin at a </a:t>
+            </a:r>
+            <a:r>
+              <a:rPr lang="en-US" b="1" i="1" dirty="0" smtClean="0"/>
+              <a:t>1995 invitational workshop in Dublin, Ohio</a:t>
+            </a:r>
+            <a:r>
+              <a:rPr lang="en-US" i="1" dirty="0" smtClean="0"/>
+              <a:t>; </a:t>
+            </a:r>
+            <a:r>
+              <a:rPr lang="en-US" i="1" dirty="0"/>
+              <a:t>"core" because its elements are broad and generic, usable for describing a wide range of resources.</a:t>
+            </a:r>
+            <a:endParaRPr lang="en-US" i="1" dirty="0"/>
+          </a:p>
+        </p:txBody>
+      </p:sp>
+      <p:sp>
+        <p:nvSpPr>
+          <p:cNvPr id="4" name="Rectangle 3"/>
+          <p:cNvSpPr/>
+          <p:nvPr/>
+        </p:nvSpPr>
+        <p:spPr>
+          <a:xfrm>
+            <a:off x="6893842" y="5884490"/>
+            <a:ext cx="3108543" cy="307777"/>
+          </a:xfrm>
+          <a:prstGeom prst="rect">
+            <a:avLst/>
+          </a:prstGeom>
+        </p:spPr>
+        <p:txBody>
+          <a:bodyPr wrap="none">
+            <a:spAutoFit/>
+          </a:bodyPr>
+          <a:lstStyle/>
+          <a:p>
+            <a:r>
+              <a:rPr lang="en-US" sz="1400" dirty="0">
+                <a:solidFill>
+                  <a:srgbClr val="595959"/>
+                </a:solidFill>
+              </a:rPr>
+              <a:t>http://</a:t>
+            </a:r>
+            <a:r>
+              <a:rPr lang="en-US" sz="1400" dirty="0" err="1">
+                <a:solidFill>
+                  <a:srgbClr val="595959"/>
+                </a:solidFill>
+              </a:rPr>
+              <a:t>dublincore.org</a:t>
+            </a:r>
+            <a:r>
+              <a:rPr lang="en-US" sz="1400" dirty="0">
+                <a:solidFill>
+                  <a:srgbClr val="595959"/>
+                </a:solidFill>
+              </a:rPr>
+              <a:t>/documents/</a:t>
+            </a:r>
+            <a:r>
+              <a:rPr lang="en-US" sz="1400" dirty="0" err="1">
+                <a:solidFill>
+                  <a:srgbClr val="595959"/>
+                </a:solidFill>
+              </a:rPr>
+              <a:t>dces</a:t>
+            </a:r>
+            <a:r>
+              <a:rPr lang="en-US" sz="1400" dirty="0">
+                <a:solidFill>
+                  <a:srgbClr val="595959"/>
+                </a:solidFill>
+              </a:rPr>
+              <a:t>/</a:t>
+            </a:r>
           </a:p>
         </p:txBody>
       </p:sp>
@@ -10941,7 +10129,7 @@
   <p:timing>
     <p:tnLst>
       <p:par>
-        <p:cTn id="1" dur="indefinite" restart="never" nodeType="tmRoot"/>
+        <p:cTn xmlns:p14="http://schemas.microsoft.com/office/powerpoint/2010/main" id="1" dur="indefinite" restart="never" nodeType="tmRoot"/>
       </p:par>
     </p:tnLst>
   </p:timing>
@@ -10975,14 +10163,20 @@
             <p:ph type="title"/>
           </p:nvPr>
         </p:nvSpPr>
-        <p:spPr/>
+        <p:spPr>
+          <a:xfrm>
+            <a:off x="689467" y="365127"/>
+            <a:ext cx="10515600" cy="1325563"/>
+          </a:xfrm>
+        </p:spPr>
         <p:txBody>
           <a:bodyPr/>
           <a:lstStyle/>
           <a:p>
+            <a:pPr algn="l"/>
             <a:r>
               <a:rPr lang="en-US" dirty="0" smtClean="0"/>
-              <a:t>Standards and structures</a:t>
+              <a:t>DC		  DC Example</a:t>
             </a:r>
             <a:endParaRPr lang="en-US" dirty="0"/>
           </a:p>
@@ -10998,27 +10192,642 @@
             <p:ph idx="1"/>
           </p:nvPr>
         </p:nvSpPr>
-        <p:spPr/>
+        <p:spPr>
+          <a:xfrm>
+            <a:off x="2624024" y="1490537"/>
+            <a:ext cx="9515631" cy="5062712"/>
+          </a:xfrm>
+        </p:spPr>
         <p:txBody>
-          <a:bodyPr/>
+          <a:bodyPr>
+            <a:noAutofit/>
+          </a:bodyPr>
           <a:lstStyle/>
           <a:p>
-            <a:endParaRPr lang="en-US"/>
+            <a:pPr marL="0" indent="0">
+              <a:spcBef>
+                <a:spcPts val="300"/>
+              </a:spcBef>
+              <a:buNone/>
+            </a:pPr>
+            <a:r>
+              <a:rPr lang="en-US" sz="2000" dirty="0" smtClean="0"/>
+              <a:t>Title=		”</a:t>
+            </a:r>
+            <a:r>
+              <a:rPr lang="en-US" sz="2000" dirty="0"/>
+              <a:t>Metadata Demystified”</a:t>
+            </a:r>
+          </a:p>
+          <a:p>
+            <a:pPr marL="0" indent="0">
+              <a:spcBef>
+                <a:spcPts val="300"/>
+              </a:spcBef>
+              <a:buNone/>
+            </a:pPr>
+            <a:r>
+              <a:rPr lang="en-US" sz="2000" dirty="0"/>
+              <a:t>Creator</a:t>
+            </a:r>
+            <a:r>
+              <a:rPr lang="en-US" sz="2000" dirty="0" smtClean="0"/>
+              <a:t>=		”</a:t>
+            </a:r>
+            <a:r>
+              <a:rPr lang="en-US" sz="2000" dirty="0"/>
+              <a:t>Brand, Amy”</a:t>
+            </a:r>
+          </a:p>
+          <a:p>
+            <a:pPr marL="0" indent="0">
+              <a:spcBef>
+                <a:spcPts val="300"/>
+              </a:spcBef>
+              <a:buNone/>
+            </a:pPr>
+            <a:r>
+              <a:rPr lang="en-US" sz="2000" dirty="0"/>
+              <a:t>Creator</a:t>
+            </a:r>
+            <a:r>
+              <a:rPr lang="en-US" sz="2000" dirty="0" smtClean="0"/>
+              <a:t>=		”</a:t>
+            </a:r>
+            <a:r>
+              <a:rPr lang="en-US" sz="2000" dirty="0"/>
+              <a:t>Daly, Frank”</a:t>
+            </a:r>
+          </a:p>
+          <a:p>
+            <a:pPr marL="0" indent="0">
+              <a:spcBef>
+                <a:spcPts val="300"/>
+              </a:spcBef>
+              <a:buNone/>
+            </a:pPr>
+            <a:r>
+              <a:rPr lang="en-US" sz="2000" dirty="0"/>
+              <a:t>Creator</a:t>
+            </a:r>
+            <a:r>
+              <a:rPr lang="en-US" sz="2000" dirty="0" smtClean="0"/>
+              <a:t>=		”</a:t>
+            </a:r>
+            <a:r>
+              <a:rPr lang="en-US" sz="2000" dirty="0"/>
+              <a:t>Meyers, Barbara”</a:t>
+            </a:r>
+          </a:p>
+          <a:p>
+            <a:pPr marL="0" indent="0">
+              <a:spcBef>
+                <a:spcPts val="300"/>
+              </a:spcBef>
+              <a:buNone/>
+            </a:pPr>
+            <a:r>
+              <a:rPr lang="en-US" sz="2000" dirty="0"/>
+              <a:t>Subject</a:t>
+            </a:r>
+            <a:r>
+              <a:rPr lang="en-US" sz="2000" dirty="0" smtClean="0"/>
+              <a:t>=		”</a:t>
+            </a:r>
+            <a:r>
+              <a:rPr lang="en-US" sz="2000" dirty="0"/>
+              <a:t>metadata”</a:t>
+            </a:r>
+          </a:p>
+          <a:p>
+            <a:pPr marL="0" indent="0">
+              <a:spcBef>
+                <a:spcPts val="300"/>
+              </a:spcBef>
+              <a:buNone/>
+            </a:pPr>
+            <a:r>
+              <a:rPr lang="en-US" sz="2000" dirty="0"/>
+              <a:t>Description</a:t>
+            </a:r>
+            <a:r>
+              <a:rPr lang="en-US" sz="2000" dirty="0" smtClean="0"/>
+              <a:t>=	”</a:t>
+            </a:r>
+            <a:r>
+              <a:rPr lang="en-US" sz="2000" dirty="0"/>
+              <a:t>Presents an overview </a:t>
+            </a:r>
+            <a:r>
+              <a:rPr lang="en-US" sz="2000" dirty="0" smtClean="0"/>
+              <a:t>of metadata </a:t>
+            </a:r>
+            <a:r>
+              <a:rPr lang="en-US" sz="2000" dirty="0"/>
+              <a:t>conventions </a:t>
+            </a:r>
+            <a:r>
+              <a:rPr lang="en-US" sz="2000" dirty="0" smtClean="0"/>
+              <a:t>in publishing</a:t>
+            </a:r>
+            <a:r>
+              <a:rPr lang="en-US" sz="2000" dirty="0"/>
+              <a:t>.”</a:t>
+            </a:r>
+          </a:p>
+          <a:p>
+            <a:pPr marL="0" indent="0">
+              <a:spcBef>
+                <a:spcPts val="300"/>
+              </a:spcBef>
+              <a:buNone/>
+            </a:pPr>
+            <a:r>
+              <a:rPr lang="en-US" sz="2000" dirty="0"/>
+              <a:t>Publisher</a:t>
+            </a:r>
+            <a:r>
+              <a:rPr lang="en-US" sz="2000" dirty="0" smtClean="0"/>
+              <a:t>=	”</a:t>
+            </a:r>
+            <a:r>
+              <a:rPr lang="en-US" sz="2000" dirty="0"/>
+              <a:t>NISO Press”</a:t>
+            </a:r>
+          </a:p>
+          <a:p>
+            <a:pPr marL="0" indent="0">
+              <a:spcBef>
+                <a:spcPts val="300"/>
+              </a:spcBef>
+              <a:buNone/>
+            </a:pPr>
+            <a:r>
+              <a:rPr lang="en-US" sz="2000" dirty="0"/>
+              <a:t>Publisher</a:t>
+            </a:r>
+            <a:r>
+              <a:rPr lang="en-US" sz="2000" dirty="0" smtClean="0"/>
+              <a:t>=	”</a:t>
+            </a:r>
+            <a:r>
+              <a:rPr lang="en-US" sz="2000" dirty="0"/>
+              <a:t>The Sheridan Press”</a:t>
+            </a:r>
+          </a:p>
+          <a:p>
+            <a:pPr marL="0" indent="0">
+              <a:spcBef>
+                <a:spcPts val="300"/>
+              </a:spcBef>
+              <a:buNone/>
+            </a:pPr>
+            <a:r>
+              <a:rPr lang="en-US" sz="2000" dirty="0"/>
+              <a:t>Date</a:t>
+            </a:r>
+            <a:r>
+              <a:rPr lang="en-US" sz="2000" dirty="0" smtClean="0"/>
+              <a:t>=		”</a:t>
+            </a:r>
+            <a:r>
+              <a:rPr lang="en-US" sz="2000" dirty="0"/>
+              <a:t>2003-07"</a:t>
+            </a:r>
+          </a:p>
+          <a:p>
+            <a:pPr marL="0" indent="0">
+              <a:spcBef>
+                <a:spcPts val="300"/>
+              </a:spcBef>
+              <a:buNone/>
+            </a:pPr>
+            <a:r>
+              <a:rPr lang="en-US" sz="2000" dirty="0"/>
+              <a:t>Type</a:t>
+            </a:r>
+            <a:r>
+              <a:rPr lang="en-US" sz="2000" dirty="0" smtClean="0"/>
+              <a:t>=		”</a:t>
+            </a:r>
+            <a:r>
+              <a:rPr lang="en-US" sz="2000" dirty="0"/>
+              <a:t>Text”</a:t>
+            </a:r>
+          </a:p>
+          <a:p>
+            <a:pPr marL="0" indent="0">
+              <a:spcBef>
+                <a:spcPts val="300"/>
+              </a:spcBef>
+              <a:buNone/>
+            </a:pPr>
+            <a:r>
+              <a:rPr lang="en-US" sz="2000" dirty="0"/>
+              <a:t>Format</a:t>
+            </a:r>
+            <a:r>
+              <a:rPr lang="en-US" sz="2000" dirty="0" smtClean="0"/>
+              <a:t>=		”</a:t>
+            </a:r>
+            <a:r>
+              <a:rPr lang="en-US" sz="2000" dirty="0"/>
+              <a:t>application/</a:t>
+            </a:r>
+            <a:r>
+              <a:rPr lang="en-US" sz="2000" dirty="0" err="1"/>
+              <a:t>pdf</a:t>
+            </a:r>
+            <a:r>
+              <a:rPr lang="en-US" sz="2000" dirty="0"/>
+              <a:t>”</a:t>
+            </a:r>
+          </a:p>
+          <a:p>
+            <a:pPr marL="0" indent="0">
+              <a:spcBef>
+                <a:spcPts val="300"/>
+              </a:spcBef>
+              <a:buNone/>
+            </a:pPr>
+            <a:r>
+              <a:rPr lang="en-US" sz="2000" dirty="0"/>
+              <a:t>Identifier</a:t>
+            </a:r>
+            <a:r>
+              <a:rPr lang="en-US" sz="2000" dirty="0" smtClean="0"/>
+              <a:t>=	”</a:t>
+            </a:r>
+            <a:r>
+              <a:rPr lang="en-US" sz="2000" dirty="0"/>
+              <a:t>http://</a:t>
+            </a:r>
+            <a:r>
+              <a:rPr lang="en-US" sz="2000" dirty="0" err="1"/>
+              <a:t>www.niso.org</a:t>
+            </a:r>
+            <a:r>
+              <a:rPr lang="en-US" sz="2000" dirty="0" smtClean="0"/>
+              <a:t>/standards</a:t>
+            </a:r>
+            <a:r>
+              <a:rPr lang="en-US" sz="2000" dirty="0"/>
+              <a:t>/resources</a:t>
+            </a:r>
+            <a:r>
+              <a:rPr lang="en-US" sz="2000" dirty="0" smtClean="0"/>
+              <a:t>/</a:t>
+            </a:r>
+            <a:r>
+              <a:rPr lang="en-US" sz="2000" dirty="0" err="1" smtClean="0"/>
+              <a:t>Metadata_Demystified.pdf</a:t>
+            </a:r>
+            <a:r>
+              <a:rPr lang="en-US" sz="2000" dirty="0"/>
+              <a:t>”</a:t>
+            </a:r>
+          </a:p>
+          <a:p>
+            <a:pPr marL="0" indent="0">
+              <a:spcBef>
+                <a:spcPts val="300"/>
+              </a:spcBef>
+              <a:buNone/>
+            </a:pPr>
+            <a:r>
+              <a:rPr lang="en-US" sz="2000" dirty="0"/>
+              <a:t>Language</a:t>
+            </a:r>
+            <a:r>
+              <a:rPr lang="en-US" sz="2000" dirty="0" smtClean="0"/>
+              <a:t>=	”</a:t>
+            </a:r>
+            <a:r>
+              <a:rPr lang="en-US" sz="2000" dirty="0"/>
+              <a:t>en”</a:t>
+            </a:r>
+          </a:p>
+          <a:p>
+            <a:pPr>
+              <a:spcBef>
+                <a:spcPts val="600"/>
+              </a:spcBef>
+            </a:pPr>
+            <a:endParaRPr lang="en-US" sz="2000" dirty="0"/>
+          </a:p>
+        </p:txBody>
+      </p:sp>
+      <p:sp>
+        <p:nvSpPr>
+          <p:cNvPr id="4" name="Rectangle 3"/>
+          <p:cNvSpPr/>
+          <p:nvPr/>
+        </p:nvSpPr>
+        <p:spPr>
+          <a:xfrm>
+            <a:off x="472097" y="1490537"/>
+            <a:ext cx="6096000" cy="4791056"/>
+          </a:xfrm>
+          <a:prstGeom prst="rect">
+            <a:avLst/>
+          </a:prstGeom>
+        </p:spPr>
+        <p:txBody>
+          <a:bodyPr>
+            <a:spAutoFit/>
+          </a:bodyPr>
+          <a:lstStyle/>
+          <a:p>
+            <a:pPr>
+              <a:lnSpc>
+                <a:spcPct val="90000"/>
+              </a:lnSpc>
+              <a:spcBef>
+                <a:spcPts val="300"/>
+              </a:spcBef>
+            </a:pPr>
+            <a:r>
+              <a:rPr lang="en-US" sz="2000" dirty="0"/>
+              <a:t> </a:t>
+            </a:r>
+            <a:r>
+              <a:rPr lang="en-US" sz="2000" dirty="0" smtClean="0"/>
+              <a:t>   Title</a:t>
+            </a:r>
+            <a:endParaRPr lang="en-US" sz="2000" dirty="0"/>
+          </a:p>
+          <a:p>
+            <a:pPr>
+              <a:lnSpc>
+                <a:spcPct val="90000"/>
+              </a:lnSpc>
+              <a:spcBef>
+                <a:spcPts val="300"/>
+              </a:spcBef>
+            </a:pPr>
+            <a:r>
+              <a:rPr lang="en-US" sz="2000" dirty="0"/>
+              <a:t>    Creator</a:t>
+            </a:r>
+          </a:p>
+          <a:p>
+            <a:pPr>
+              <a:lnSpc>
+                <a:spcPct val="90000"/>
+              </a:lnSpc>
+              <a:spcBef>
+                <a:spcPts val="300"/>
+              </a:spcBef>
+            </a:pPr>
+            <a:r>
+              <a:rPr lang="en-US" sz="2000" dirty="0"/>
+              <a:t>    Subject</a:t>
+            </a:r>
+          </a:p>
+          <a:p>
+            <a:pPr>
+              <a:lnSpc>
+                <a:spcPct val="90000"/>
+              </a:lnSpc>
+              <a:spcBef>
+                <a:spcPts val="300"/>
+              </a:spcBef>
+            </a:pPr>
+            <a:r>
+              <a:rPr lang="en-US" sz="2000" dirty="0"/>
+              <a:t>    Description</a:t>
+            </a:r>
+          </a:p>
+          <a:p>
+            <a:pPr>
+              <a:lnSpc>
+                <a:spcPct val="90000"/>
+              </a:lnSpc>
+              <a:spcBef>
+                <a:spcPts val="300"/>
+              </a:spcBef>
+            </a:pPr>
+            <a:r>
+              <a:rPr lang="en-US" sz="2000" dirty="0"/>
+              <a:t>    Publisher</a:t>
+            </a:r>
+          </a:p>
+          <a:p>
+            <a:pPr>
+              <a:lnSpc>
+                <a:spcPct val="90000"/>
+              </a:lnSpc>
+              <a:spcBef>
+                <a:spcPts val="300"/>
+              </a:spcBef>
+            </a:pPr>
+            <a:r>
+              <a:rPr lang="en-US" sz="2000" dirty="0"/>
+              <a:t>    Contributor</a:t>
+            </a:r>
+          </a:p>
+          <a:p>
+            <a:pPr>
+              <a:lnSpc>
+                <a:spcPct val="90000"/>
+              </a:lnSpc>
+              <a:spcBef>
+                <a:spcPts val="300"/>
+              </a:spcBef>
+            </a:pPr>
+            <a:r>
+              <a:rPr lang="en-US" sz="2000" dirty="0"/>
+              <a:t>    Date</a:t>
+            </a:r>
+          </a:p>
+          <a:p>
+            <a:pPr>
+              <a:lnSpc>
+                <a:spcPct val="90000"/>
+              </a:lnSpc>
+              <a:spcBef>
+                <a:spcPts val="300"/>
+              </a:spcBef>
+            </a:pPr>
+            <a:r>
+              <a:rPr lang="en-US" sz="2000" dirty="0"/>
+              <a:t>    Type</a:t>
+            </a:r>
+          </a:p>
+          <a:p>
+            <a:pPr>
+              <a:lnSpc>
+                <a:spcPct val="90000"/>
+              </a:lnSpc>
+              <a:spcBef>
+                <a:spcPts val="300"/>
+              </a:spcBef>
+            </a:pPr>
+            <a:r>
+              <a:rPr lang="en-US" sz="2000" dirty="0"/>
+              <a:t>    Format</a:t>
+            </a:r>
+          </a:p>
+          <a:p>
+            <a:pPr>
+              <a:lnSpc>
+                <a:spcPct val="90000"/>
+              </a:lnSpc>
+              <a:spcBef>
+                <a:spcPts val="300"/>
+              </a:spcBef>
+            </a:pPr>
+            <a:r>
+              <a:rPr lang="en-US" sz="2000" dirty="0"/>
+              <a:t>    Identifier</a:t>
+            </a:r>
+          </a:p>
+          <a:p>
+            <a:pPr>
+              <a:lnSpc>
+                <a:spcPct val="90000"/>
+              </a:lnSpc>
+              <a:spcBef>
+                <a:spcPts val="300"/>
+              </a:spcBef>
+            </a:pPr>
+            <a:r>
+              <a:rPr lang="en-US" sz="2000" dirty="0"/>
+              <a:t>    Source</a:t>
+            </a:r>
+          </a:p>
+          <a:p>
+            <a:pPr>
+              <a:lnSpc>
+                <a:spcPct val="90000"/>
+              </a:lnSpc>
+              <a:spcBef>
+                <a:spcPts val="300"/>
+              </a:spcBef>
+            </a:pPr>
+            <a:r>
+              <a:rPr lang="en-US" sz="2000" dirty="0"/>
+              <a:t>    Language</a:t>
+            </a:r>
+          </a:p>
+          <a:p>
+            <a:pPr>
+              <a:lnSpc>
+                <a:spcPct val="90000"/>
+              </a:lnSpc>
+              <a:spcBef>
+                <a:spcPts val="300"/>
+              </a:spcBef>
+            </a:pPr>
+            <a:r>
+              <a:rPr lang="en-US" sz="2000" dirty="0"/>
+              <a:t>    Relation</a:t>
+            </a:r>
+          </a:p>
+          <a:p>
+            <a:pPr>
+              <a:lnSpc>
+                <a:spcPct val="90000"/>
+              </a:lnSpc>
+              <a:spcBef>
+                <a:spcPts val="300"/>
+              </a:spcBef>
+            </a:pPr>
+            <a:r>
+              <a:rPr lang="en-US" sz="2000" dirty="0"/>
+              <a:t>    Coverage</a:t>
+            </a:r>
+          </a:p>
+          <a:p>
+            <a:pPr>
+              <a:lnSpc>
+                <a:spcPct val="90000"/>
+              </a:lnSpc>
+              <a:spcBef>
+                <a:spcPts val="300"/>
+              </a:spcBef>
+            </a:pPr>
+            <a:r>
+              <a:rPr lang="en-US" sz="2000" dirty="0"/>
+              <a:t>    Rights</a:t>
+            </a:r>
+          </a:p>
+        </p:txBody>
+      </p:sp>
+      <p:sp>
+        <p:nvSpPr>
+          <p:cNvPr id="6" name="Rectangle 5"/>
+          <p:cNvSpPr/>
+          <p:nvPr/>
+        </p:nvSpPr>
+        <p:spPr>
+          <a:xfrm>
+            <a:off x="7340048" y="6044677"/>
+            <a:ext cx="3108543" cy="307777"/>
+          </a:xfrm>
+          <a:prstGeom prst="rect">
+            <a:avLst/>
+          </a:prstGeom>
+        </p:spPr>
+        <p:txBody>
+          <a:bodyPr wrap="none">
+            <a:spAutoFit/>
+          </a:bodyPr>
+          <a:lstStyle/>
+          <a:p>
+            <a:r>
+              <a:rPr lang="en-US" sz="1400" dirty="0">
+                <a:solidFill>
+                  <a:srgbClr val="595959"/>
+                </a:solidFill>
+              </a:rPr>
+              <a:t>http://</a:t>
+            </a:r>
+            <a:r>
+              <a:rPr lang="en-US" sz="1400" dirty="0" err="1">
+                <a:solidFill>
+                  <a:srgbClr val="595959"/>
+                </a:solidFill>
+              </a:rPr>
+              <a:t>dublincore.org</a:t>
+            </a:r>
+            <a:r>
+              <a:rPr lang="en-US" sz="1400" dirty="0">
+                <a:solidFill>
+                  <a:srgbClr val="595959"/>
+                </a:solidFill>
+              </a:rPr>
+              <a:t>/documents/</a:t>
+            </a:r>
+            <a:r>
+              <a:rPr lang="en-US" sz="1400" dirty="0" err="1">
+                <a:solidFill>
+                  <a:srgbClr val="595959"/>
+                </a:solidFill>
+              </a:rPr>
+              <a:t>dces</a:t>
+            </a:r>
+            <a:r>
+              <a:rPr lang="en-US" sz="1400" dirty="0">
+                <a:solidFill>
+                  <a:srgbClr val="595959"/>
+                </a:solidFill>
+              </a:rPr>
+              <a:t>/</a:t>
+            </a:r>
           </a:p>
         </p:txBody>
       </p:sp>
     </p:spTree>
+    <p:extLst>
+      <p:ext uri="{BB962C8B-B14F-4D97-AF65-F5344CB8AC3E}">
+        <p14:creationId xmlns:p14="http://schemas.microsoft.com/office/powerpoint/2010/main" val="3567969339"/>
+      </p:ext>
+    </p:extLst>
   </p:cSld>
   <p:clrMapOvr>
     <a:masterClrMapping/>
   </p:clrMapOvr>
-  <p:timing>
-    <p:tnLst>
-      <p:par>
-        <p:cTn id="1" dur="indefinite" restart="never" nodeType="tmRoot"/>
-      </p:par>
-    </p:tnLst>
-  </p:timing>
 </p:sld>
 </file>
 
@@ -11073,7 +10882,7 @@
             </a:br>
             <a:r>
               <a:rPr lang="en-US" dirty="0" smtClean="0"/>
-              <a:t>Metadata</a:t>
+              <a:t>Describing Data</a:t>
             </a:r>
             <a:endParaRPr lang="en-US" dirty="0"/>
           </a:p>
@@ -11103,13 +10912,8 @@
           <a:p>
             <a:r>
               <a:rPr lang="en-US" dirty="0" smtClean="0"/>
-              <a:t>Describing </a:t>
-            </a:r>
-            <a:r>
-              <a:rPr lang="en-US" dirty="0" smtClean="0"/>
-              <a:t>Data (who, what, standards, etc.)</a:t>
-            </a:r>
-            <a:endParaRPr lang="en-US" dirty="0" smtClean="0"/>
+              <a:t>Describing Data (who, what, standards, etc.)</a:t>
+            </a:r>
           </a:p>
           <a:p>
             <a:r>
@@ -11120,29 +10924,36 @@
           <a:p>
             <a:r>
               <a:rPr lang="en-US" dirty="0" smtClean="0"/>
-              <a:t>A library </a:t>
-            </a:r>
+              <a:t>A library perspective</a:t>
+            </a:r>
+          </a:p>
+          <a:p>
             <a:r>
               <a:rPr lang="en-US" dirty="0" smtClean="0"/>
-              <a:t>perspective</a:t>
-            </a:r>
-          </a:p>
-          <a:p>
+              <a:t>Value of </a:t>
+            </a:r>
             <a:r>
               <a:rPr lang="en-US" dirty="0" smtClean="0"/>
-              <a:t>Value of metadata (how much, for whom)</a:t>
-            </a:r>
-          </a:p>
-          <a:p>
+              <a:t>descriptions </a:t>
+            </a:r>
             <a:r>
               <a:rPr lang="en-US" dirty="0" smtClean="0"/>
-              <a:t>U</a:t>
+              <a:t>(</a:t>
             </a:r>
             <a:r>
               <a:rPr lang="en-US" dirty="0" smtClean="0"/>
-              <a:t>tility (use values)</a:t>
-            </a:r>
-            <a:endParaRPr lang="en-US" dirty="0" smtClean="0"/>
+              <a:t>how much, for whom)</a:t>
+            </a:r>
+          </a:p>
+          <a:p>
+            <a:r>
+              <a:rPr lang="en-US" dirty="0" smtClean="0"/>
+              <a:t>Utility of descriptions </a:t>
+            </a:r>
+            <a:r>
+              <a:rPr lang="en-US" dirty="0" smtClean="0"/>
+              <a:t>(use values)</a:t>
+            </a:r>
           </a:p>
           <a:p>
             <a:endParaRPr lang="en-US" dirty="0" smtClean="0"/>
@@ -11152,7 +10963,7 @@
     </p:spTree>
     <p:extLst>
       <p:ext uri="{BB962C8B-B14F-4D97-AF65-F5344CB8AC3E}">
-        <p14:creationId xmlns="" xmlns:p14="http://schemas.microsoft.com/office/powerpoint/2010/main" val="4075626601"/>
+        <p14:creationId xmlns:p14="http://schemas.microsoft.com/office/powerpoint/2010/main" val="4075626601"/>
       </p:ext>
     </p:extLst>
   </p:cSld>
@@ -11162,7 +10973,7 @@
   <p:timing>
     <p:tnLst>
       <p:par>
-        <p:cTn id="1" dur="indefinite" restart="never" nodeType="tmRoot"/>
+        <p:cTn xmlns:p14="http://schemas.microsoft.com/office/powerpoint/2010/main" id="1" dur="indefinite" restart="never" nodeType="tmRoot"/>
       </p:par>
     </p:tnLst>
   </p:timing>
@@ -11203,6 +11014,308 @@
           <a:p>
             <a:r>
               <a:rPr lang="en-US" dirty="0" smtClean="0"/>
+              <a:t>Schemas</a:t>
+            </a:r>
+            <a:endParaRPr lang="en-US" dirty="0"/>
+          </a:p>
+        </p:txBody>
+      </p:sp>
+      <p:sp>
+        <p:nvSpPr>
+          <p:cNvPr id="3" name="Content Placeholder 2"/>
+          <p:cNvSpPr>
+            <a:spLocks noGrp="1"/>
+          </p:cNvSpPr>
+          <p:nvPr>
+            <p:ph idx="1"/>
+          </p:nvPr>
+        </p:nvSpPr>
+        <p:spPr/>
+        <p:txBody>
+          <a:bodyPr/>
+          <a:lstStyle/>
+          <a:p>
+            <a:endParaRPr lang="en-US"/>
+          </a:p>
+        </p:txBody>
+      </p:sp>
+    </p:spTree>
+    <p:extLst>
+      <p:ext uri="{BB962C8B-B14F-4D97-AF65-F5344CB8AC3E}">
+        <p14:creationId xmlns:p14="http://schemas.microsoft.com/office/powerpoint/2010/main" val="3214155341"/>
+      </p:ext>
+    </p:extLst>
+  </p:cSld>
+  <p:clrMapOvr>
+    <a:masterClrMapping/>
+  </p:clrMapOvr>
+</p:sld>
+</file>
+
+<file path=ppt/slides/slide21.xml><?xml version="1.0" encoding="utf-8"?>
+<p:sld xmlns:a="http://schemas.openxmlformats.org/drawingml/2006/main" xmlns:r="http://schemas.openxmlformats.org/officeDocument/2006/relationships" xmlns:p="http://schemas.openxmlformats.org/presentationml/2006/main">
+  <p:cSld>
+    <p:spTree>
+      <p:nvGrpSpPr>
+        <p:cNvPr id="1" name=""/>
+        <p:cNvGrpSpPr/>
+        <p:nvPr/>
+      </p:nvGrpSpPr>
+      <p:grpSpPr>
+        <a:xfrm>
+          <a:off x="0" y="0"/>
+          <a:ext cx="0" cy="0"/>
+          <a:chOff x="0" y="0"/>
+          <a:chExt cx="0" cy="0"/>
+        </a:xfrm>
+      </p:grpSpPr>
+      <p:sp>
+        <p:nvSpPr>
+          <p:cNvPr id="2" name="Title 1"/>
+          <p:cNvSpPr>
+            <a:spLocks noGrp="1"/>
+          </p:cNvSpPr>
+          <p:nvPr>
+            <p:ph type="title"/>
+          </p:nvPr>
+        </p:nvSpPr>
+        <p:spPr/>
+        <p:txBody>
+          <a:bodyPr/>
+          <a:lstStyle/>
+          <a:p>
+            <a:r>
+              <a:rPr lang="en-US" dirty="0" smtClean="0"/>
+              <a:t>GIS </a:t>
+            </a:r>
+            <a:r>
+              <a:rPr lang="en-US" dirty="0" err="1" smtClean="0"/>
+              <a:t>ArcCatalog</a:t>
+            </a:r>
+            <a:r>
+              <a:rPr lang="en-US" dirty="0" smtClean="0"/>
+              <a:t> Example</a:t>
+            </a:r>
+            <a:endParaRPr lang="en-US" dirty="0"/>
+          </a:p>
+        </p:txBody>
+      </p:sp>
+      <p:sp>
+        <p:nvSpPr>
+          <p:cNvPr id="3" name="Content Placeholder 2"/>
+          <p:cNvSpPr>
+            <a:spLocks noGrp="1"/>
+          </p:cNvSpPr>
+          <p:nvPr>
+            <p:ph idx="1"/>
+          </p:nvPr>
+        </p:nvSpPr>
+        <p:spPr/>
+        <p:txBody>
+          <a:bodyPr/>
+          <a:lstStyle/>
+          <a:p>
+            <a:endParaRPr lang="en-US"/>
+          </a:p>
+        </p:txBody>
+      </p:sp>
+    </p:spTree>
+  </p:cSld>
+  <p:clrMapOvr>
+    <a:masterClrMapping/>
+  </p:clrMapOvr>
+  <p:timing>
+    <p:tnLst>
+      <p:par>
+        <p:cTn xmlns:p14="http://schemas.microsoft.com/office/powerpoint/2010/main" id="1" dur="indefinite" restart="never" nodeType="tmRoot"/>
+      </p:par>
+    </p:tnLst>
+  </p:timing>
+</p:sld>
+</file>
+
+<file path=ppt/slides/slide22.xml><?xml version="1.0" encoding="utf-8"?>
+<p:sld xmlns:a="http://schemas.openxmlformats.org/drawingml/2006/main" xmlns:r="http://schemas.openxmlformats.org/officeDocument/2006/relationships" xmlns:p="http://schemas.openxmlformats.org/presentationml/2006/main">
+  <p:cSld>
+    <p:spTree>
+      <p:nvGrpSpPr>
+        <p:cNvPr id="1" name=""/>
+        <p:cNvGrpSpPr/>
+        <p:nvPr/>
+      </p:nvGrpSpPr>
+      <p:grpSpPr>
+        <a:xfrm>
+          <a:off x="0" y="0"/>
+          <a:ext cx="0" cy="0"/>
+          <a:chOff x="0" y="0"/>
+          <a:chExt cx="0" cy="0"/>
+        </a:xfrm>
+      </p:grpSpPr>
+      <p:sp>
+        <p:nvSpPr>
+          <p:cNvPr id="2" name="Title 1"/>
+          <p:cNvSpPr>
+            <a:spLocks noGrp="1"/>
+          </p:cNvSpPr>
+          <p:nvPr>
+            <p:ph type="title"/>
+          </p:nvPr>
+        </p:nvSpPr>
+        <p:spPr/>
+        <p:txBody>
+          <a:bodyPr/>
+          <a:lstStyle/>
+          <a:p>
+            <a:r>
+              <a:rPr lang="en-US" dirty="0" smtClean="0"/>
+              <a:t>Standards and structures</a:t>
+            </a:r>
+            <a:endParaRPr lang="en-US" dirty="0"/>
+          </a:p>
+        </p:txBody>
+      </p:sp>
+      <p:sp>
+        <p:nvSpPr>
+          <p:cNvPr id="3" name="Content Placeholder 2"/>
+          <p:cNvSpPr>
+            <a:spLocks noGrp="1"/>
+          </p:cNvSpPr>
+          <p:nvPr>
+            <p:ph idx="1"/>
+          </p:nvPr>
+        </p:nvSpPr>
+        <p:spPr/>
+        <p:txBody>
+          <a:bodyPr/>
+          <a:lstStyle/>
+          <a:p>
+            <a:endParaRPr lang="en-US"/>
+          </a:p>
+        </p:txBody>
+      </p:sp>
+    </p:spTree>
+  </p:cSld>
+  <p:clrMapOvr>
+    <a:masterClrMapping/>
+  </p:clrMapOvr>
+  <p:timing>
+    <p:tnLst>
+      <p:par>
+        <p:cTn xmlns:p14="http://schemas.microsoft.com/office/powerpoint/2010/main" id="1" dur="indefinite" restart="never" nodeType="tmRoot"/>
+      </p:par>
+    </p:tnLst>
+  </p:timing>
+</p:sld>
+</file>
+
+<file path=ppt/slides/slide23.xml><?xml version="1.0" encoding="utf-8"?>
+<p:sld xmlns:a="http://schemas.openxmlformats.org/drawingml/2006/main" xmlns:r="http://schemas.openxmlformats.org/officeDocument/2006/relationships" xmlns:p="http://schemas.openxmlformats.org/presentationml/2006/main">
+  <p:cSld>
+    <p:spTree>
+      <p:nvGrpSpPr>
+        <p:cNvPr id="1" name=""/>
+        <p:cNvGrpSpPr/>
+        <p:nvPr/>
+      </p:nvGrpSpPr>
+      <p:grpSpPr>
+        <a:xfrm>
+          <a:off x="0" y="0"/>
+          <a:ext cx="0" cy="0"/>
+          <a:chOff x="0" y="0"/>
+          <a:chExt cx="0" cy="0"/>
+        </a:xfrm>
+      </p:grpSpPr>
+      <p:sp>
+        <p:nvSpPr>
+          <p:cNvPr id="2" name="Title 1"/>
+          <p:cNvSpPr>
+            <a:spLocks noGrp="1"/>
+          </p:cNvSpPr>
+          <p:nvPr>
+            <p:ph type="title"/>
+          </p:nvPr>
+        </p:nvSpPr>
+        <p:spPr/>
+        <p:txBody>
+          <a:bodyPr/>
+          <a:lstStyle/>
+          <a:p>
+            <a:r>
+              <a:rPr lang="en-US" dirty="0" smtClean="0"/>
+              <a:t>Schemas as Walls</a:t>
+            </a:r>
+            <a:endParaRPr lang="en-US" dirty="0"/>
+          </a:p>
+        </p:txBody>
+      </p:sp>
+      <p:sp>
+        <p:nvSpPr>
+          <p:cNvPr id="3" name="Content Placeholder 2"/>
+          <p:cNvSpPr>
+            <a:spLocks noGrp="1"/>
+          </p:cNvSpPr>
+          <p:nvPr>
+            <p:ph idx="1"/>
+          </p:nvPr>
+        </p:nvSpPr>
+        <p:spPr/>
+        <p:txBody>
+          <a:bodyPr/>
+          <a:lstStyle/>
+          <a:p>
+            <a:endParaRPr lang="en-US"/>
+          </a:p>
+        </p:txBody>
+      </p:sp>
+    </p:spTree>
+  </p:cSld>
+  <p:clrMapOvr>
+    <a:masterClrMapping/>
+  </p:clrMapOvr>
+  <p:timing>
+    <p:tnLst>
+      <p:par>
+        <p:cTn xmlns:p14="http://schemas.microsoft.com/office/powerpoint/2010/main" id="1" dur="indefinite" restart="never" nodeType="tmRoot"/>
+      </p:par>
+    </p:tnLst>
+  </p:timing>
+</p:sld>
+</file>
+
+<file path=ppt/slides/slide24.xml><?xml version="1.0" encoding="utf-8"?>
+<p:sld xmlns:a="http://schemas.openxmlformats.org/drawingml/2006/main" xmlns:r="http://schemas.openxmlformats.org/officeDocument/2006/relationships" xmlns:p="http://schemas.openxmlformats.org/presentationml/2006/main">
+  <p:cSld>
+    <p:spTree>
+      <p:nvGrpSpPr>
+        <p:cNvPr id="1" name=""/>
+        <p:cNvGrpSpPr/>
+        <p:nvPr/>
+      </p:nvGrpSpPr>
+      <p:grpSpPr>
+        <a:xfrm>
+          <a:off x="0" y="0"/>
+          <a:ext cx="0" cy="0"/>
+          <a:chOff x="0" y="0"/>
+          <a:chExt cx="0" cy="0"/>
+        </a:xfrm>
+      </p:grpSpPr>
+      <p:sp>
+        <p:nvSpPr>
+          <p:cNvPr id="2" name="Title 1"/>
+          <p:cNvSpPr>
+            <a:spLocks noGrp="1"/>
+          </p:cNvSpPr>
+          <p:nvPr>
+            <p:ph type="title"/>
+          </p:nvPr>
+        </p:nvSpPr>
+        <p:spPr/>
+        <p:txBody>
+          <a:bodyPr/>
+          <a:lstStyle/>
+          <a:p>
+            <a:r>
+              <a:rPr lang="en-US" dirty="0" smtClean="0"/>
               <a:t>Quick Review</a:t>
             </a:r>
             <a:endParaRPr lang="en-US" sz="2800" dirty="0"/>
@@ -11261,8 +11374,13 @@
           <a:p>
             <a:r>
               <a:rPr lang="en-US" dirty="0" smtClean="0"/>
-              <a:t>Two general kinds of metadata</a:t>
-            </a:r>
+              <a:t>Two general kinds of </a:t>
+            </a:r>
+            <a:r>
+              <a:rPr lang="en-US" dirty="0" smtClean="0"/>
+              <a:t>descriptive metadata</a:t>
+            </a:r>
+            <a:endParaRPr lang="en-US" dirty="0" smtClean="0"/>
           </a:p>
           <a:p>
             <a:pPr lvl="1"/>
@@ -11288,13 +11406,8 @@
             <a:pPr lvl="1"/>
             <a:r>
               <a:rPr lang="en-US" dirty="0" smtClean="0"/>
-              <a:t>Notebooks (</a:t>
-            </a:r>
-            <a:r>
-              <a:rPr lang="en-US" dirty="0" smtClean="0"/>
-              <a:t>electronic??)</a:t>
-            </a:r>
-            <a:endParaRPr lang="en-US" dirty="0" smtClean="0"/>
+              <a:t>Notebooks (electronic??)</a:t>
+            </a:r>
           </a:p>
           <a:p>
             <a:pPr lvl="1"/>
@@ -11328,7 +11441,7 @@
     </p:spTree>
     <p:extLst>
       <p:ext uri="{BB962C8B-B14F-4D97-AF65-F5344CB8AC3E}">
-        <p14:creationId xmlns="" xmlns:p14="http://schemas.microsoft.com/office/powerpoint/2010/main" val="1854938220"/>
+        <p14:creationId xmlns:p14="http://schemas.microsoft.com/office/powerpoint/2010/main" val="1854938220"/>
       </p:ext>
     </p:extLst>
   </p:cSld>
@@ -11338,7 +11451,7 @@
   <p:timing>
     <p:tnLst>
       <p:par>
-        <p:cTn id="1" dur="indefinite" restart="never" nodeType="tmRoot">
+        <p:cTn xmlns:p14="http://schemas.microsoft.com/office/powerpoint/2010/main" id="1" dur="indefinite" restart="never" nodeType="tmRoot">
           <p:childTnLst>
             <p:seq concurrent="1" nextAc="seek">
               <p:cTn id="2" dur="indefinite" nodeType="mainSeq">
@@ -11809,7 +11922,7 @@
 </p:sld>
 </file>
 
-<file path=ppt/slides/slide21.xml><?xml version="1.0" encoding="utf-8"?>
+<file path=ppt/slides/slide25.xml><?xml version="1.0" encoding="utf-8"?>
 <p:sld xmlns:a="http://schemas.openxmlformats.org/drawingml/2006/main" xmlns:r="http://schemas.openxmlformats.org/officeDocument/2006/relationships" xmlns:p="http://schemas.openxmlformats.org/presentationml/2006/main">
   <p:cSld>
     <p:spTree>
@@ -11876,7 +11989,7 @@
   <p:timing>
     <p:tnLst>
       <p:par>
-        <p:cTn id="1" dur="indefinite" restart="never" nodeType="tmRoot"/>
+        <p:cTn xmlns:p14="http://schemas.microsoft.com/office/powerpoint/2010/main" id="1" dur="indefinite" restart="never" nodeType="tmRoot"/>
       </p:par>
     </p:tnLst>
   </p:timing>
@@ -11917,7 +12030,7 @@
           <a:p>
             <a:r>
               <a:rPr lang="en-US" dirty="0" smtClean="0"/>
-              <a:t>A Love Letter to the Future</a:t>
+              <a:t>Metadata</a:t>
             </a:r>
             <a:endParaRPr lang="en-US" dirty="0"/>
           </a:p>
@@ -11933,27 +12046,39 @@
             <p:ph idx="1"/>
           </p:nvPr>
         </p:nvSpPr>
-        <p:spPr/>
+        <p:spPr>
+          <a:xfrm>
+            <a:off x="838200" y="713619"/>
+            <a:ext cx="10515600" cy="5463344"/>
+          </a:xfrm>
+        </p:spPr>
         <p:txBody>
-          <a:bodyPr/>
+          <a:bodyPr>
+            <a:noAutofit/>
+          </a:bodyPr>
           <a:lstStyle/>
           <a:p>
-            <a:endParaRPr lang="en-US" dirty="0"/>
+            <a:pPr marL="0" indent="0" algn="ctr">
+              <a:buNone/>
+            </a:pPr>
+            <a:r>
+              <a:rPr lang="en-US" sz="42000" dirty="0" smtClean="0"/>
+              <a:t>?</a:t>
+            </a:r>
+            <a:endParaRPr lang="en-US" sz="42000" dirty="0"/>
           </a:p>
         </p:txBody>
       </p:sp>
     </p:spTree>
+    <p:extLst>
+      <p:ext uri="{BB962C8B-B14F-4D97-AF65-F5344CB8AC3E}">
+        <p14:creationId xmlns:p14="http://schemas.microsoft.com/office/powerpoint/2010/main" val="1339964316"/>
+      </p:ext>
+    </p:extLst>
   </p:cSld>
   <p:clrMapOvr>
     <a:masterClrMapping/>
   </p:clrMapOvr>
-  <p:timing>
-    <p:tnLst>
-      <p:par>
-        <p:cTn id="1" dur="indefinite" restart="never" nodeType="tmRoot"/>
-      </p:par>
-    </p:tnLst>
-  </p:timing>
 </p:sld>
 </file>
 
@@ -11991,7 +12116,7 @@
           <a:p>
             <a:r>
               <a:rPr lang="en-US" dirty="0" smtClean="0"/>
-              <a:t>Schemas as Walls</a:t>
+              <a:t>A Love Letter to the Future</a:t>
             </a:r>
             <a:endParaRPr lang="en-US" dirty="0"/>
           </a:p>
@@ -12007,12 +12132,220 @@
             <p:ph idx="1"/>
           </p:nvPr>
         </p:nvSpPr>
-        <p:spPr/>
+        <p:spPr>
+          <a:xfrm>
+            <a:off x="1158622" y="2651295"/>
+            <a:ext cx="10195177" cy="3525667"/>
+          </a:xfrm>
+        </p:spPr>
         <p:txBody>
           <a:bodyPr/>
           <a:lstStyle/>
           <a:p>
-            <a:endParaRPr lang="en-US"/>
+            <a:pPr>
+              <a:buNone/>
+            </a:pPr>
+            <a:r>
+              <a:rPr lang="en-US" sz="2800" i="1" dirty="0" smtClean="0"/>
+              <a:t>"Scientific metadata provide the information necessary for investigators separated by time, space, institution or disciplinary norm to establish common ground."  -  Christine </a:t>
+            </a:r>
+            <a:r>
+              <a:rPr lang="en-US" sz="2800" i="1" dirty="0" err="1" smtClean="0"/>
+              <a:t>Borgman</a:t>
+            </a:r>
+            <a:endParaRPr lang="en-US" sz="2800" dirty="0" smtClean="0"/>
+          </a:p>
+          <a:p>
+            <a:endParaRPr lang="en-US" dirty="0"/>
+          </a:p>
+        </p:txBody>
+      </p:sp>
+      <p:sp>
+        <p:nvSpPr>
+          <p:cNvPr id="4" name="TextBox 3"/>
+          <p:cNvSpPr txBox="1"/>
+          <p:nvPr/>
+        </p:nvSpPr>
+        <p:spPr>
+          <a:xfrm>
+            <a:off x="1492431" y="6057781"/>
+            <a:ext cx="8925197" cy="523220"/>
+          </a:xfrm>
+          <a:prstGeom prst="rect">
+            <a:avLst/>
+          </a:prstGeom>
+          <a:noFill/>
+        </p:spPr>
+        <p:txBody>
+          <a:bodyPr wrap="square" rtlCol="0">
+            <a:spAutoFit/>
+          </a:bodyPr>
+          <a:lstStyle/>
+          <a:p>
+            <a:r>
+              <a:rPr lang="en-US" sz="1400" dirty="0" smtClean="0">
+                <a:solidFill>
+                  <a:schemeClr val="tx1">
+                    <a:lumMod val="65000"/>
+                    <a:lumOff val="35000"/>
+                  </a:schemeClr>
+                </a:solidFill>
+              </a:rPr>
+              <a:t>Edwards, </a:t>
+            </a:r>
+            <a:r>
+              <a:rPr lang="en-US" sz="1400" dirty="0" err="1" smtClean="0">
+                <a:solidFill>
+                  <a:schemeClr val="tx1">
+                    <a:lumMod val="65000"/>
+                    <a:lumOff val="35000"/>
+                  </a:schemeClr>
+                </a:solidFill>
+              </a:rPr>
+              <a:t>Mayernik</a:t>
+            </a:r>
+            <a:r>
+              <a:rPr lang="en-US" sz="1400" dirty="0" smtClean="0">
+                <a:solidFill>
+                  <a:schemeClr val="tx1">
+                    <a:lumMod val="65000"/>
+                    <a:lumOff val="35000"/>
+                  </a:schemeClr>
+                </a:solidFill>
+              </a:rPr>
+              <a:t>, </a:t>
+            </a:r>
+            <a:r>
+              <a:rPr lang="en-US" sz="1400" dirty="0" err="1" smtClean="0">
+                <a:solidFill>
+                  <a:schemeClr val="tx1">
+                    <a:lumMod val="65000"/>
+                    <a:lumOff val="35000"/>
+                  </a:schemeClr>
+                </a:solidFill>
+              </a:rPr>
+              <a:t>Betcheller</a:t>
+            </a:r>
+            <a:r>
+              <a:rPr lang="en-US" sz="1400" dirty="0" smtClean="0">
+                <a:solidFill>
+                  <a:schemeClr val="tx1">
+                    <a:lumMod val="65000"/>
+                    <a:lumOff val="35000"/>
+                  </a:schemeClr>
+                </a:solidFill>
+              </a:rPr>
+              <a:t>, </a:t>
+            </a:r>
+            <a:r>
+              <a:rPr lang="en-US" sz="1400" dirty="0" err="1" smtClean="0">
+                <a:solidFill>
+                  <a:schemeClr val="tx1">
+                    <a:lumMod val="65000"/>
+                    <a:lumOff val="35000"/>
+                  </a:schemeClr>
+                </a:solidFill>
+              </a:rPr>
+              <a:t>Bowker</a:t>
+            </a:r>
+            <a:r>
+              <a:rPr lang="en-US" sz="1400" dirty="0" smtClean="0">
+                <a:solidFill>
+                  <a:schemeClr val="tx1">
+                    <a:lumMod val="65000"/>
+                    <a:lumOff val="35000"/>
+                  </a:schemeClr>
+                </a:solidFill>
+              </a:rPr>
+              <a:t>, and </a:t>
+            </a:r>
+            <a:r>
+              <a:rPr lang="en-US" sz="1400" dirty="0" err="1" smtClean="0">
+                <a:solidFill>
+                  <a:schemeClr val="tx1">
+                    <a:lumMod val="65000"/>
+                    <a:lumOff val="35000"/>
+                  </a:schemeClr>
+                </a:solidFill>
+              </a:rPr>
+              <a:t>Borgman</a:t>
+            </a:r>
+            <a:r>
+              <a:rPr lang="en-US" sz="1400" dirty="0" smtClean="0">
+                <a:solidFill>
+                  <a:schemeClr val="tx1">
+                    <a:lumMod val="65000"/>
+                    <a:lumOff val="35000"/>
+                  </a:schemeClr>
+                </a:solidFill>
+              </a:rPr>
+              <a:t> (2011). Science friction: Data, metadata, and collaboration.  </a:t>
+            </a:r>
+          </a:p>
+          <a:p>
+            <a:r>
+              <a:rPr lang="en-US" sz="1400" i="1" dirty="0" smtClean="0">
+                <a:solidFill>
+                  <a:schemeClr val="tx1">
+                    <a:lumMod val="65000"/>
+                    <a:lumOff val="35000"/>
+                  </a:schemeClr>
+                </a:solidFill>
+              </a:rPr>
+              <a:t>Social Studies of Science </a:t>
+            </a:r>
+            <a:r>
+              <a:rPr lang="en-US" sz="1400" dirty="0" smtClean="0">
+                <a:solidFill>
+                  <a:schemeClr val="tx1">
+                    <a:lumMod val="65000"/>
+                    <a:lumOff val="35000"/>
+                  </a:schemeClr>
+                </a:solidFill>
+              </a:rPr>
+              <a:t> 41(5): 667-690 .  http://</a:t>
+            </a:r>
+            <a:r>
+              <a:rPr lang="en-US" sz="1400" dirty="0" err="1" smtClean="0">
+                <a:solidFill>
+                  <a:schemeClr val="tx1">
+                    <a:lumMod val="65000"/>
+                    <a:lumOff val="35000"/>
+                  </a:schemeClr>
+                </a:solidFill>
+              </a:rPr>
+              <a:t>dx.doi.org</a:t>
+            </a:r>
+            <a:r>
+              <a:rPr lang="en-US" sz="1400" dirty="0" smtClean="0">
+                <a:solidFill>
+                  <a:schemeClr val="tx1">
+                    <a:lumMod val="65000"/>
+                    <a:lumOff val="35000"/>
+                  </a:schemeClr>
+                </a:solidFill>
+              </a:rPr>
+              <a:t>/</a:t>
+            </a:r>
+            <a:r>
+              <a:rPr lang="is-IS" sz="1400" dirty="0">
+                <a:solidFill>
+                  <a:schemeClr val="tx1">
+                    <a:lumMod val="65000"/>
+                    <a:lumOff val="35000"/>
+                  </a:schemeClr>
+                </a:solidFill>
+              </a:rPr>
+              <a:t>10.1177/0306312711413314</a:t>
+            </a:r>
+            <a:endParaRPr lang="en-US" dirty="0">
+              <a:solidFill>
+                <a:schemeClr val="tx1">
+                  <a:lumMod val="65000"/>
+                  <a:lumOff val="35000"/>
+                </a:schemeClr>
+              </a:solidFill>
+            </a:endParaRPr>
           </a:p>
         </p:txBody>
       </p:sp>
@@ -12024,7 +12357,7 @@
   <p:timing>
     <p:tnLst>
       <p:par>
-        <p:cTn id="1" dur="indefinite" restart="never" nodeType="tmRoot"/>
+        <p:cTn xmlns:p14="http://schemas.microsoft.com/office/powerpoint/2010/main" id="1" dur="indefinite" restart="never" nodeType="tmRoot"/>
       </p:par>
     </p:tnLst>
   </p:timing>
@@ -12079,7 +12412,7 @@
           <a:blip r:embed="rId3" cstate="print">
             <a:extLst>
               <a:ext uri="{28A0092B-C50C-407E-A947-70E740481C1C}">
-                <a14:useLocalDpi xmlns:a14="http://schemas.microsoft.com/office/drawing/2010/main" xmlns="" val="0"/>
+                <a14:useLocalDpi xmlns:a14="http://schemas.microsoft.com/office/drawing/2010/main" val="0"/>
               </a:ext>
             </a:extLst>
           </a:blip>
@@ -12158,52 +12491,6 @@
               </a:rPr>
               <a:t>/</a:t>
             </a:r>
-          </a:p>
-        </p:txBody>
-      </p:sp>
-      <p:sp>
-        <p:nvSpPr>
-          <p:cNvPr id="5" name="Oval 4"/>
-          <p:cNvSpPr/>
-          <p:nvPr/>
-        </p:nvSpPr>
-        <p:spPr>
-          <a:xfrm>
-            <a:off x="8216029" y="3283528"/>
-            <a:ext cx="1218915" cy="872836"/>
-          </a:xfrm>
-          <a:prstGeom prst="ellipse">
-            <a:avLst/>
-          </a:prstGeom>
-          <a:noFill/>
-          <a:ln w="38100">
-            <a:solidFill>
-              <a:srgbClr val="FF0000"/>
-            </a:solidFill>
-          </a:ln>
-        </p:spPr>
-        <p:style>
-          <a:lnRef idx="2">
-            <a:schemeClr val="accent1">
-              <a:shade val="50000"/>
-            </a:schemeClr>
-          </a:lnRef>
-          <a:fillRef idx="1">
-            <a:schemeClr val="accent1"/>
-          </a:fillRef>
-          <a:effectRef idx="0">
-            <a:schemeClr val="accent1"/>
-          </a:effectRef>
-          <a:fontRef idx="minor">
-            <a:schemeClr val="lt1"/>
-          </a:fontRef>
-        </p:style>
-        <p:txBody>
-          <a:bodyPr rtlCol="0" anchor="ctr"/>
-          <a:lstStyle/>
-          <a:p>
-            <a:pPr algn="ctr"/>
-            <a:endParaRPr lang="en-US"/>
           </a:p>
         </p:txBody>
       </p:sp>
@@ -12594,10 +12881,56 @@
           </a:p>
         </p:txBody>
       </p:sp>
+      <p:sp>
+        <p:nvSpPr>
+          <p:cNvPr id="5" name="Oval 4"/>
+          <p:cNvSpPr/>
+          <p:nvPr/>
+        </p:nvSpPr>
+        <p:spPr>
+          <a:xfrm>
+            <a:off x="8216029" y="3283528"/>
+            <a:ext cx="1218915" cy="872836"/>
+          </a:xfrm>
+          <a:prstGeom prst="ellipse">
+            <a:avLst/>
+          </a:prstGeom>
+          <a:noFill/>
+          <a:ln w="38100">
+            <a:solidFill>
+              <a:srgbClr val="FF0000"/>
+            </a:solidFill>
+          </a:ln>
+        </p:spPr>
+        <p:style>
+          <a:lnRef idx="2">
+            <a:schemeClr val="accent1">
+              <a:shade val="50000"/>
+            </a:schemeClr>
+          </a:lnRef>
+          <a:fillRef idx="1">
+            <a:schemeClr val="accent1"/>
+          </a:fillRef>
+          <a:effectRef idx="0">
+            <a:schemeClr val="accent1"/>
+          </a:effectRef>
+          <a:fontRef idx="minor">
+            <a:schemeClr val="lt1"/>
+          </a:fontRef>
+        </p:style>
+        <p:txBody>
+          <a:bodyPr rtlCol="0" anchor="ctr"/>
+          <a:lstStyle/>
+          <a:p>
+            <a:pPr algn="ctr"/>
+            <a:endParaRPr lang="en-US"/>
+          </a:p>
+        </p:txBody>
+      </p:sp>
     </p:spTree>
     <p:extLst>
       <p:ext uri="{BB962C8B-B14F-4D97-AF65-F5344CB8AC3E}">
-        <p14:creationId xmlns:p14="http://schemas.microsoft.com/office/powerpoint/2010/main" xmlns="" val="180507429"/>
+        <p14:creationId xmlns:p14="http://schemas.microsoft.com/office/powerpoint/2010/main" val="180507429"/>
       </p:ext>
     </p:extLst>
   </p:cSld>
@@ -12607,7 +12940,7 @@
   <p:timing>
     <p:tnLst>
       <p:par>
-        <p:cTn id="1" dur="indefinite" restart="never" nodeType="tmRoot">
+        <p:cTn xmlns:p14="http://schemas.microsoft.com/office/powerpoint/2010/main" id="1" dur="indefinite" restart="never" nodeType="tmRoot">
           <p:childTnLst>
             <p:seq concurrent="1" nextAc="seek">
               <p:cTn id="2" dur="indefinite" nodeType="mainSeq">
@@ -12810,9 +13143,9 @@
       </p:par>
     </p:tnLst>
     <p:bldLst>
-      <p:bldP spid="5" grpId="0" animBg="1"/>
       <p:bldP spid="23" grpId="0" animBg="1"/>
       <p:bldP spid="24" grpId="0" animBg="1"/>
+      <p:bldP spid="5" grpId="0" animBg="1"/>
     </p:bldLst>
   </p:timing>
 </p:sld>
@@ -13104,7 +13437,7 @@
           <a:blip r:embed="rId6" cstate="print">
             <a:extLst>
               <a:ext uri="{BEBA8EAE-BF5A-486C-A8C5-ECC9F3942E4B}">
-                <a14:imgProps xmlns:a14="http://schemas.microsoft.com/office/drawing/2010/main" xmlns="">
+                <a14:imgProps xmlns:a14="http://schemas.microsoft.com/office/drawing/2010/main">
                   <a14:imgLayer r:embed="rId7">
                     <a14:imgEffect>
                       <a14:brightnessContrast bright="16000"/>
@@ -13286,7 +13619,7 @@
           <a:blip r:embed="rId8" cstate="print">
             <a:extLst>
               <a:ext uri="{28A0092B-C50C-407E-A947-70E740481C1C}">
-                <a14:useLocalDpi xmlns:a14="http://schemas.microsoft.com/office/drawing/2010/main" xmlns="" val="0"/>
+                <a14:useLocalDpi xmlns:a14="http://schemas.microsoft.com/office/drawing/2010/main" val="0"/>
               </a:ext>
             </a:extLst>
           </a:blip>
@@ -13400,7 +13733,7 @@
           <a:blip r:embed="rId9" cstate="print">
             <a:extLst>
               <a:ext uri="{28A0092B-C50C-407E-A947-70E740481C1C}">
-                <a14:useLocalDpi xmlns:a14="http://schemas.microsoft.com/office/drawing/2010/main" xmlns="" val="0"/>
+                <a14:useLocalDpi xmlns:a14="http://schemas.microsoft.com/office/drawing/2010/main" val="0"/>
               </a:ext>
             </a:extLst>
           </a:blip>
@@ -13588,11 +13921,11 @@
   <p:clrMapOvr>
     <a:masterClrMapping/>
   </p:clrMapOvr>
-  <p:transition/>
+  <p:transition xmlns:p14="http://schemas.microsoft.com/office/powerpoint/2010/main"/>
   <p:timing>
     <p:tnLst>
       <p:par>
-        <p:cTn id="1" dur="indefinite" restart="never" nodeType="tmRoot"/>
+        <p:cTn xmlns:p14="http://schemas.microsoft.com/office/powerpoint/2010/main" id="1" dur="indefinite" restart="never" nodeType="tmRoot"/>
       </p:par>
     </p:tnLst>
   </p:timing>
@@ -13710,14 +14043,14 @@
           <p:nvPr>
             <p:extLst>
               <p:ext uri="{D42A27DB-BD31-4B8C-83A1-F6EECF244321}">
-                <p14:modId xmlns:p14="http://schemas.microsoft.com/office/powerpoint/2010/main" xmlns="" val="1796364243"/>
+                <p14:modId xmlns:p14="http://schemas.microsoft.com/office/powerpoint/2010/main" val="1796364243"/>
               </p:ext>
             </p:extLst>
           </p:nvPr>
         </p:nvGraphicFramePr>
         <p:xfrm>
           <a:off x="632178" y="1665884"/>
-          <a:ext cx="11198578" cy="4115100"/>
+          <a:ext cx="11198578" cy="4115099"/>
         </p:xfrm>
         <a:graphic>
           <a:graphicData uri="http://schemas.openxmlformats.org/drawingml/2006/table">
@@ -19174,11 +19507,11 @@
   <p:clrMapOvr>
     <a:masterClrMapping/>
   </p:clrMapOvr>
-  <p:transition/>
+  <p:transition xmlns:p14="http://schemas.microsoft.com/office/powerpoint/2010/main"/>
   <p:timing>
     <p:tnLst>
       <p:par>
-        <p:cTn id="1" dur="indefinite" restart="never" nodeType="tmRoot"/>
+        <p:cTn xmlns:p14="http://schemas.microsoft.com/office/powerpoint/2010/main" id="1" dur="indefinite" restart="never" nodeType="tmRoot"/>
       </p:par>
     </p:tnLst>
   </p:timing>
@@ -19531,11 +19864,11 @@
   <p:clrMapOvr>
     <a:masterClrMapping/>
   </p:clrMapOvr>
-  <p:transition/>
+  <p:transition xmlns:p14="http://schemas.microsoft.com/office/powerpoint/2010/main"/>
   <p:timing>
     <p:tnLst>
       <p:par>
-        <p:cTn id="1" dur="indefinite" restart="never" nodeType="tmRoot"/>
+        <p:cTn xmlns:p14="http://schemas.microsoft.com/office/powerpoint/2010/main" id="1" dur="indefinite" restart="never" nodeType="tmRoot"/>
       </p:par>
     </p:tnLst>
   </p:timing>
@@ -19588,8 +19921,22 @@
               <a:rPr lang="en-US" dirty="0" smtClean="0">
                 <a:ea typeface="ＭＳ Ｐゴシック" pitchFamily="34" charset="-128"/>
               </a:rPr>
-              <a:t>Definition: A collection of data</a:t>
-            </a:r>
+              <a:t>Definition: A collection of </a:t>
+            </a:r>
+            <a:r>
+              <a:rPr lang="en-US" dirty="0" smtClean="0">
+                <a:ea typeface="ＭＳ Ｐゴシック" pitchFamily="34" charset="-128"/>
+              </a:rPr>
+              <a:t>data</a:t>
+            </a:r>
+          </a:p>
+          <a:p>
+            <a:pPr>
+              <a:buSzPct val="100000"/>
+            </a:pPr>
+            <a:endParaRPr lang="en-US" dirty="0" smtClean="0">
+              <a:ea typeface="ＭＳ Ｐゴシック" pitchFamily="34" charset="-128"/>
+            </a:endParaRPr>
           </a:p>
           <a:p>
             <a:pPr>
@@ -19647,8 +19994,27 @@
               <a:rPr lang="en-US" dirty="0" smtClean="0">
                 <a:ea typeface="ＭＳ Ｐゴシック" pitchFamily="34" charset="-128"/>
               </a:rPr>
-              <a:t>Many tabular datasets are inherently “spatial”, e.g. water-quality samples associated with stream collection sites</a:t>
-            </a:r>
+              <a:t>Many tabular datasets are inherently “spatial”, e.g. water-quality samples associated with stream collection </a:t>
+            </a:r>
+            <a:r>
+              <a:rPr lang="en-US" dirty="0" smtClean="0">
+                <a:ea typeface="ＭＳ Ｐゴシック" pitchFamily="34" charset="-128"/>
+              </a:rPr>
+              <a:t>sites</a:t>
+            </a:r>
+          </a:p>
+          <a:p>
+            <a:pPr lvl="1">
+              <a:buClr>
+                <a:schemeClr val="accent1">
+                  <a:lumMod val="75000"/>
+                </a:schemeClr>
+              </a:buClr>
+              <a:buSzPct val="90000"/>
+            </a:pPr>
+            <a:endParaRPr lang="en-US" dirty="0" smtClean="0">
+              <a:ea typeface="ＭＳ Ｐゴシック" pitchFamily="34" charset="-128"/>
+            </a:endParaRPr>
           </a:p>
           <a:p>
             <a:pPr>
@@ -19901,11 +20267,11 @@
   <p:clrMapOvr>
     <a:masterClrMapping/>
   </p:clrMapOvr>
-  <p:transition/>
+  <p:transition xmlns:p14="http://schemas.microsoft.com/office/powerpoint/2010/main"/>
   <p:timing>
     <p:tnLst>
       <p:par>
-        <p:cTn id="1" dur="indefinite" restart="never" nodeType="tmRoot"/>
+        <p:cTn xmlns:p14="http://schemas.microsoft.com/office/powerpoint/2010/main" id="1" dur="indefinite" restart="never" nodeType="tmRoot"/>
       </p:par>
     </p:tnLst>
   </p:timing>
@@ -20167,7 +20533,7 @@
   <a:extraClrSchemeLst/>
   <a:extLst>
     <a:ext uri="{05A4C25C-085E-4340-85A3-A5531E510DB2}">
-      <thm15:themeFamily xmlns="" xmlns:thm15="http://schemas.microsoft.com/office/thememl/2012/main" name="Office Theme" id="{62F939B6-93AF-4DB8-9C6B-D6C7DFDC589F}" vid="{4A3C46E8-61CC-4603-A589-7422A47A8E4A}"/>
+      <thm15:themeFamily xmlns:thm15="http://schemas.microsoft.com/office/thememl/2012/main" xmlns="" name="Office Theme" id="{62F939B6-93AF-4DB8-9C6B-D6C7DFDC589F}" vid="{4A3C46E8-61CC-4603-A589-7422A47A8E4A}"/>
     </a:ext>
   </a:extLst>
 </a:theme>
@@ -20428,7 +20794,7 @@
   <a:extraClrSchemeLst/>
   <a:extLst>
     <a:ext uri="{05A4C25C-085E-4340-85A3-A5531E510DB2}">
-      <thm15:themeFamily xmlns="" xmlns:thm15="http://schemas.microsoft.com/office/thememl/2012/main" name="Office Theme" id="{62F939B6-93AF-4DB8-9C6B-D6C7DFDC589F}" vid="{4A3C46E8-61CC-4603-A589-7422A47A8E4A}"/>
+      <thm15:themeFamily xmlns:thm15="http://schemas.microsoft.com/office/thememl/2012/main" xmlns="" name="Office Theme" id="{62F939B6-93AF-4DB8-9C6B-D6C7DFDC589F}" vid="{4A3C46E8-61CC-4603-A589-7422A47A8E4A}"/>
     </a:ext>
   </a:extLst>
 </a:theme>
